--- a/NO1/NO1.pptx
+++ b/NO1/NO1.pptx
@@ -5251,8 +5251,8 @@
         </p:nvSpPr>
         <p:spPr bwMode="auto">
           <a:xfrm>
-            <a:off x="639303" y="1138892"/>
-            <a:ext cx="6950320" cy="3785652"/>
+            <a:off x="639303" y="1446668"/>
+            <a:ext cx="6950320" cy="3170099"/>
           </a:xfrm>
           <a:prstGeom prst="rect">
             <a:avLst/>
@@ -5314,15 +5314,7 @@
                 <a:ea typeface="华文细黑" panose="02010600040101010101" pitchFamily="2" charset="-122"/>
                 <a:cs typeface="Times New Roman" panose="02020603050405020304" pitchFamily="18" charset="0"/>
               </a:rPr>
-              <a:t>层流</a:t>
-            </a:r>
-            <a:r>
-              <a:rPr lang="zh-CN" altLang="en-US" sz="2000" dirty="0" smtClean="0">
-                <a:latin typeface="Times New Roman" panose="02020603050405020304" pitchFamily="18" charset="0"/>
-                <a:ea typeface="华文细黑" panose="02010600040101010101" pitchFamily="2" charset="-122"/>
-                <a:cs typeface="Times New Roman" panose="02020603050405020304" pitchFamily="18" charset="0"/>
-              </a:rPr>
-              <a:t>：</a:t>
+              <a:t>层流：</a:t>
             </a:r>
             <a:endParaRPr lang="en-US" altLang="zh-CN" sz="2000" dirty="0" smtClean="0">
               <a:latin typeface="Times New Roman" panose="02020603050405020304" pitchFamily="18" charset="0"/>
@@ -5371,15 +5363,7 @@
                 <a:ea typeface="华文细黑" panose="02010600040101010101" pitchFamily="2" charset="-122"/>
                 <a:cs typeface="Times New Roman" panose="02020603050405020304" pitchFamily="18" charset="0"/>
               </a:rPr>
-              <a:t>，</a:t>
-            </a:r>
-            <a:r>
-              <a:rPr lang="zh-CN" altLang="en-US" sz="2000" dirty="0" smtClean="0">
-                <a:latin typeface="Times New Roman" panose="02020603050405020304" pitchFamily="18" charset="0"/>
-                <a:ea typeface="华文细黑" panose="02010600040101010101" pitchFamily="2" charset="-122"/>
-                <a:cs typeface="Times New Roman" panose="02020603050405020304" pitchFamily="18" charset="0"/>
-              </a:rPr>
-              <a:t>入口</a:t>
+              <a:t>，入口</a:t>
             </a:r>
             <a:r>
               <a:rPr lang="zh-CN" altLang="en-US" sz="2000" dirty="0">
@@ -5536,7 +5520,7 @@
                 <a:ea typeface="华文细黑" panose="02010600040101010101" pitchFamily="2" charset="-122"/>
                 <a:cs typeface="Times New Roman" panose="02020603050405020304" pitchFamily="18" charset="0"/>
               </a:rPr>
-              <a:t>参考</a:t>
+              <a:t>参考老师给的程序，入口除了给定速度外，入口给定湍动能为动能</a:t>
             </a:r>
             <a:r>
               <a:rPr lang="zh-CN" altLang="en-US" sz="2000" dirty="0" smtClean="0">
@@ -5544,7 +5528,15 @@
                 <a:ea typeface="华文细黑" panose="02010600040101010101" pitchFamily="2" charset="-122"/>
                 <a:cs typeface="Times New Roman" panose="02020603050405020304" pitchFamily="18" charset="0"/>
               </a:rPr>
-              <a:t>老师给的程序</a:t>
+              <a:t>的</a:t>
+            </a:r>
+            <a:r>
+              <a:rPr lang="en-US" altLang="zh-CN" sz="2000" dirty="0" smtClean="0">
+                <a:latin typeface="Times New Roman" panose="02020603050405020304" pitchFamily="18" charset="0"/>
+                <a:ea typeface="华文细黑" panose="02010600040101010101" pitchFamily="2" charset="-122"/>
+                <a:cs typeface="Times New Roman" panose="02020603050405020304" pitchFamily="18" charset="0"/>
+              </a:rPr>
+              <a:t>0.2%</a:t>
             </a:r>
             <a:r>
               <a:rPr lang="zh-CN" altLang="en-US" sz="2000" dirty="0" smtClean="0">
@@ -5552,7 +5544,7 @@
                 <a:ea typeface="华文细黑" panose="02010600040101010101" pitchFamily="2" charset="-122"/>
                 <a:cs typeface="Times New Roman" panose="02020603050405020304" pitchFamily="18" charset="0"/>
               </a:rPr>
-              <a:t>，入口除了给定速度外，入口</a:t>
+              <a:t>，耗散</a:t>
             </a:r>
             <a:r>
               <a:rPr lang="zh-CN" altLang="en-US" sz="2000" dirty="0" smtClean="0">
@@ -5560,7 +5552,7 @@
                 <a:ea typeface="华文细黑" panose="02010600040101010101" pitchFamily="2" charset="-122"/>
                 <a:cs typeface="Times New Roman" panose="02020603050405020304" pitchFamily="18" charset="0"/>
               </a:rPr>
-              <a:t>给定湍动能为动能的</a:t>
+              <a:t>率取为</a:t>
             </a:r>
             <a:r>
               <a:rPr lang="en-US" altLang="zh-CN" sz="2000" dirty="0" smtClean="0">
@@ -5568,41 +5560,8 @@
                 <a:ea typeface="华文细黑" panose="02010600040101010101" pitchFamily="2" charset="-122"/>
                 <a:cs typeface="Times New Roman" panose="02020603050405020304" pitchFamily="18" charset="0"/>
               </a:rPr>
-              <a:t>0.2</a:t>
-            </a:r>
-            <a:r>
-              <a:rPr lang="en-US" altLang="zh-CN" sz="2000" dirty="0" smtClean="0">
-                <a:latin typeface="Times New Roman" panose="02020603050405020304" pitchFamily="18" charset="0"/>
-                <a:ea typeface="华文细黑" panose="02010600040101010101" pitchFamily="2" charset="-122"/>
-                <a:cs typeface="Times New Roman" panose="02020603050405020304" pitchFamily="18" charset="0"/>
-              </a:rPr>
-              <a:t>%</a:t>
-            </a:r>
-            <a:r>
-              <a:rPr lang="zh-CN" altLang="en-US" sz="2000" dirty="0" smtClean="0">
-                <a:latin typeface="Times New Roman" panose="02020603050405020304" pitchFamily="18" charset="0"/>
-                <a:ea typeface="华文细黑" panose="02010600040101010101" pitchFamily="2" charset="-122"/>
-                <a:cs typeface="Times New Roman" panose="02020603050405020304" pitchFamily="18" charset="0"/>
-              </a:rPr>
-              <a:t>，耗散率有下面计算</a:t>
-            </a:r>
-            <a:endParaRPr lang="en-US" altLang="zh-CN" sz="2000" dirty="0" smtClean="0">
-              <a:latin typeface="Times New Roman" panose="02020603050405020304" pitchFamily="18" charset="0"/>
-              <a:ea typeface="华文细黑" panose="02010600040101010101" pitchFamily="2" charset="-122"/>
-              <a:cs typeface="Times New Roman" panose="02020603050405020304" pitchFamily="18" charset="0"/>
-            </a:endParaRPr>
-          </a:p>
-          <a:p>
-            <a:pPr marL="342900" lvl="0" indent="-342900" eaLnBrk="0" fontAlgn="base" hangingPunct="0">
-              <a:spcBef>
-                <a:spcPct val="0"/>
-              </a:spcBef>
-              <a:spcAft>
-                <a:spcPct val="0"/>
-              </a:spcAft>
-              <a:buFont typeface="Arial" panose="020B0604020202020204" pitchFamily="34" charset="0"/>
-              <a:buChar char="•"/>
-            </a:pPr>
+              <a:t>0</a:t>
+            </a:r>
             <a:endParaRPr lang="en-US" altLang="zh-CN" sz="2000" dirty="0">
               <a:latin typeface="Times New Roman" panose="02020603050405020304" pitchFamily="18" charset="0"/>
               <a:ea typeface="华文细黑" panose="02010600040101010101" pitchFamily="2" charset="-122"/>
@@ -5620,6 +5579,22 @@
               <a:buFont typeface="Arial" panose="020B0604020202020204" pitchFamily="34" charset="0"/>
               <a:buChar char="•"/>
             </a:pPr>
+            <a:r>
+              <a:rPr lang="zh-CN" altLang="en-US" sz="2000" dirty="0" smtClean="0">
+                <a:latin typeface="Times New Roman" panose="02020603050405020304" pitchFamily="18" charset="0"/>
+                <a:ea typeface="华文细黑" panose="02010600040101010101" pitchFamily="2" charset="-122"/>
+                <a:cs typeface="Times New Roman" panose="02020603050405020304" pitchFamily="18" charset="0"/>
+              </a:rPr>
+              <a:t>壁面处湍动能与耗散率为</a:t>
+            </a:r>
+            <a:r>
+              <a:rPr lang="en-US" altLang="zh-CN" sz="2000" dirty="0" smtClean="0">
+                <a:latin typeface="Times New Roman" panose="02020603050405020304" pitchFamily="18" charset="0"/>
+                <a:ea typeface="华文细黑" panose="02010600040101010101" pitchFamily="2" charset="-122"/>
+                <a:cs typeface="Times New Roman" panose="02020603050405020304" pitchFamily="18" charset="0"/>
+              </a:rPr>
+              <a:t>0</a:t>
+            </a:r>
             <a:endParaRPr lang="en-US" altLang="zh-CN" sz="2000" dirty="0">
               <a:latin typeface="Times New Roman" panose="02020603050405020304" pitchFamily="18" charset="0"/>
               <a:ea typeface="华文细黑" panose="02010600040101010101" pitchFamily="2" charset="-122"/>
@@ -5638,47 +5613,6 @@
               <a:buChar char="•"/>
             </a:pPr>
             <a:r>
-              <a:rPr lang="zh-CN" altLang="en-US" sz="2000" dirty="0" smtClean="0">
-                <a:latin typeface="Times New Roman" panose="02020603050405020304" pitchFamily="18" charset="0"/>
-                <a:ea typeface="华文细黑" panose="02010600040101010101" pitchFamily="2" charset="-122"/>
-                <a:cs typeface="Times New Roman" panose="02020603050405020304" pitchFamily="18" charset="0"/>
-              </a:rPr>
-              <a:t>壁</a:t>
-            </a:r>
-            <a:r>
-              <a:rPr lang="zh-CN" altLang="en-US" sz="2000" dirty="0" smtClean="0">
-                <a:latin typeface="Times New Roman" panose="02020603050405020304" pitchFamily="18" charset="0"/>
-                <a:ea typeface="华文细黑" panose="02010600040101010101" pitchFamily="2" charset="-122"/>
-                <a:cs typeface="Times New Roman" panose="02020603050405020304" pitchFamily="18" charset="0"/>
-              </a:rPr>
-              <a:t>面处湍动能与耗散率为</a:t>
-            </a:r>
-            <a:r>
-              <a:rPr lang="en-US" altLang="zh-CN" sz="2000" dirty="0" smtClean="0">
-                <a:latin typeface="Times New Roman" panose="02020603050405020304" pitchFamily="18" charset="0"/>
-                <a:ea typeface="华文细黑" panose="02010600040101010101" pitchFamily="2" charset="-122"/>
-                <a:cs typeface="Times New Roman" panose="02020603050405020304" pitchFamily="18" charset="0"/>
-              </a:rPr>
-              <a:t>0</a:t>
-            </a:r>
-            <a:endParaRPr lang="en-US" altLang="zh-CN" sz="2000" dirty="0">
-              <a:latin typeface="Times New Roman" panose="02020603050405020304" pitchFamily="18" charset="0"/>
-              <a:ea typeface="华文细黑" panose="02010600040101010101" pitchFamily="2" charset="-122"/>
-              <a:cs typeface="Times New Roman" panose="02020603050405020304" pitchFamily="18" charset="0"/>
-            </a:endParaRPr>
-          </a:p>
-          <a:p>
-            <a:pPr marL="342900" lvl="0" indent="-342900" eaLnBrk="0" fontAlgn="base" hangingPunct="0">
-              <a:spcBef>
-                <a:spcPct val="0"/>
-              </a:spcBef>
-              <a:spcAft>
-                <a:spcPct val="0"/>
-              </a:spcAft>
-              <a:buFont typeface="Arial" panose="020B0604020202020204" pitchFamily="34" charset="0"/>
-              <a:buChar char="•"/>
-            </a:pPr>
-            <a:r>
               <a:rPr lang="zh-CN" altLang="en-US" sz="2000" dirty="0">
                 <a:latin typeface="Times New Roman" panose="02020603050405020304" pitchFamily="18" charset="0"/>
                 <a:ea typeface="华文细黑" panose="02010600040101010101" pitchFamily="2" charset="-122"/>
@@ -5694,67 +5628,6 @@
           </a:p>
         </p:txBody>
       </p:sp>
-      <p:graphicFrame>
-        <p:nvGraphicFramePr>
-          <p:cNvPr id="5" name="对象 4"/>
-          <p:cNvGraphicFramePr>
-            <a:graphicFrameLocks noChangeAspect="1"/>
-          </p:cNvGraphicFramePr>
-          <p:nvPr>
-            <p:extLst>
-              <p:ext uri="{D42A27DB-BD31-4B8C-83A1-F6EECF244321}">
-                <p14:modId xmlns:p14="http://schemas.microsoft.com/office/powerpoint/2010/main" val="1630133202"/>
-              </p:ext>
-            </p:extLst>
-          </p:nvPr>
-        </p:nvGraphicFramePr>
-        <p:xfrm>
-          <a:off x="1733265" y="3645224"/>
-          <a:ext cx="4015101" cy="502673"/>
-        </p:xfrm>
-        <a:graphic>
-          <a:graphicData uri="http://schemas.openxmlformats.org/presentationml/2006/ole">
-            <mc:AlternateContent xmlns:mc="http://schemas.openxmlformats.org/markup-compatibility/2006">
-              <mc:Choice xmlns:v="urn:schemas-microsoft-com:vml" Requires="v">
-                <p:oleObj spid="_x0000_s28683" name="Equation" r:id="rId3" imgW="2031840" imgH="253800" progId="Equation.DSMT4">
-                  <p:embed/>
-                </p:oleObj>
-              </mc:Choice>
-              <mc:Fallback>
-                <p:oleObj name="Equation" r:id="rId3" imgW="2031840" imgH="253800" progId="Equation.DSMT4">
-                  <p:embed/>
-                  <p:pic>
-                    <p:nvPicPr>
-                      <p:cNvPr id="0" name="Object 1"/>
-                      <p:cNvPicPr>
-                        <a:picLocks noChangeAspect="1" noChangeArrowheads="1"/>
-                      </p:cNvPicPr>
-                      <p:nvPr/>
-                    </p:nvPicPr>
-                    <p:blipFill>
-                      <a:blip r:embed="rId4"/>
-                      <a:srcRect/>
-                      <a:stretch>
-                        <a:fillRect/>
-                      </a:stretch>
-                    </p:blipFill>
-                    <p:spPr bwMode="auto">
-                      <a:xfrm>
-                        <a:off x="1733265" y="3645224"/>
-                        <a:ext cx="4015101" cy="502673"/>
-                      </a:xfrm>
-                      <a:prstGeom prst="rect">
-                        <a:avLst/>
-                      </a:prstGeom>
-                      <a:noFill/>
-                    </p:spPr>
-                  </p:pic>
-                </p:oleObj>
-              </mc:Fallback>
-            </mc:AlternateContent>
-          </a:graphicData>
-        </a:graphic>
-      </p:graphicFrame>
     </p:spTree>
     <p:extLst>
       <p:ext uri="{BB962C8B-B14F-4D97-AF65-F5344CB8AC3E}">
@@ -5797,8 +5670,8 @@
         </p:nvSpPr>
         <p:spPr>
           <a:xfrm>
-            <a:off x="202576" y="-91742"/>
-            <a:ext cx="4529823" cy="1325563"/>
+            <a:off x="202577" y="0"/>
+            <a:ext cx="2584530" cy="888521"/>
           </a:xfrm>
         </p:spPr>
         <p:txBody>
@@ -5892,8 +5765,8 @@
         </p:nvSpPr>
         <p:spPr bwMode="auto">
           <a:xfrm>
-            <a:off x="202576" y="1223064"/>
-            <a:ext cx="6950320" cy="707886"/>
+            <a:off x="69011" y="790356"/>
+            <a:ext cx="3006450" cy="400110"/>
           </a:xfrm>
           <a:prstGeom prst="rect">
             <a:avLst/>
@@ -5971,34 +5844,6 @@
               <a:cs typeface="Times New Roman" panose="02020603050405020304" pitchFamily="18" charset="0"/>
             </a:endParaRPr>
           </a:p>
-          <a:p>
-            <a:pPr lvl="0" eaLnBrk="0" fontAlgn="base" hangingPunct="0">
-              <a:spcBef>
-                <a:spcPct val="0"/>
-              </a:spcBef>
-              <a:spcAft>
-                <a:spcPct val="0"/>
-              </a:spcAft>
-            </a:pPr>
-            <a:r>
-              <a:rPr lang="zh-CN" altLang="en-US" sz="2000" dirty="0" smtClean="0">
-                <a:latin typeface="Times New Roman" panose="02020603050405020304" pitchFamily="18" charset="0"/>
-                <a:ea typeface="华文细黑" panose="02010600040101010101" pitchFamily="2" charset="-122"/>
-                <a:cs typeface="Times New Roman" panose="02020603050405020304" pitchFamily="18" charset="0"/>
-              </a:rPr>
-              <a:t>使用迭代而不是直接求解</a:t>
-            </a:r>
-            <a:endParaRPr kumimoji="0" lang="zh-CN" altLang="en-US" sz="1800" b="0" i="0" u="none" strike="noStrike" cap="none" normalizeH="0" baseline="0" dirty="0" smtClean="0">
-              <a:ln>
-                <a:noFill/>
-              </a:ln>
-              <a:solidFill>
-                <a:schemeClr val="tx1"/>
-              </a:solidFill>
-              <a:effectLst/>
-              <a:latin typeface="Arial" panose="020B0604020202020204" pitchFamily="34" charset="0"/>
-            </a:endParaRPr>
-          </a:p>
         </p:txBody>
       </p:sp>
       <p:graphicFrame>
@@ -6010,25 +5855,25 @@
           <p:nvPr>
             <p:extLst>
               <p:ext uri="{D42A27DB-BD31-4B8C-83A1-F6EECF244321}">
-                <p14:modId xmlns:p14="http://schemas.microsoft.com/office/powerpoint/2010/main" val="3197423742"/>
+                <p14:modId xmlns:p14="http://schemas.microsoft.com/office/powerpoint/2010/main" val="1804139780"/>
               </p:ext>
             </p:extLst>
           </p:nvPr>
         </p:nvGraphicFramePr>
         <p:xfrm>
-          <a:off x="2787106" y="688373"/>
-          <a:ext cx="4679688" cy="6005854"/>
+          <a:off x="2512114" y="974785"/>
+          <a:ext cx="5292114" cy="5733271"/>
         </p:xfrm>
         <a:graphic>
           <a:graphicData uri="http://schemas.openxmlformats.org/presentationml/2006/ole">
             <mc:AlternateContent xmlns:mc="http://schemas.openxmlformats.org/markup-compatibility/2006">
               <mc:Choice xmlns:v="urn:schemas-microsoft-com:vml" Requires="v">
-                <p:oleObj spid="_x0000_s24626" name="Visio" r:id="rId4" imgW="2924269" imgH="3752887" progId="Visio.Drawing.15">
+                <p:oleObj spid="_x0000_s24648" name="Visio" r:id="rId4" imgW="4067122" imgH="4410180" progId="Visio.Drawing.15">
                   <p:embed/>
                 </p:oleObj>
               </mc:Choice>
               <mc:Fallback>
-                <p:oleObj name="Visio" r:id="rId4" imgW="2924269" imgH="3752887" progId="Visio.Drawing.15">
+                <p:oleObj name="Visio" r:id="rId4" imgW="4067122" imgH="4410180" progId="Visio.Drawing.15">
                   <p:embed/>
                   <p:pic>
                     <p:nvPicPr>
@@ -6047,8 +5892,8 @@
                     </p:blipFill>
                     <p:spPr bwMode="auto">
                       <a:xfrm>
-                        <a:off x="2787106" y="688373"/>
-                        <a:ext cx="4679688" cy="6005854"/>
+                        <a:off x="2512114" y="974785"/>
+                        <a:ext cx="5292114" cy="5733271"/>
                       </a:xfrm>
                       <a:prstGeom prst="rect">
                         <a:avLst/>
@@ -6092,6 +5937,93 @@
           <a:chExt cx="0" cy="0"/>
         </a:xfrm>
       </p:grpSpPr>
+      <p:pic>
+        <p:nvPicPr>
+          <p:cNvPr id="11" name="图片 10"/>
+          <p:cNvPicPr>
+            <a:picLocks noChangeAspect="1"/>
+          </p:cNvPicPr>
+          <p:nvPr/>
+        </p:nvPicPr>
+        <p:blipFill rotWithShape="1">
+          <a:blip r:embed="rId2">
+            <a:extLst>
+              <a:ext uri="{28A0092B-C50C-407E-A947-70E740481C1C}">
+                <a14:useLocalDpi xmlns:a14="http://schemas.microsoft.com/office/drawing/2010/main" val="0"/>
+              </a:ext>
+            </a:extLst>
+          </a:blip>
+          <a:srcRect l="9616" t="34217" r="7308" b="38162"/>
+          <a:stretch/>
+        </p:blipFill>
+        <p:spPr>
+          <a:xfrm>
+            <a:off x="562709" y="5034156"/>
+            <a:ext cx="7596554" cy="1784839"/>
+          </a:xfrm>
+          <a:prstGeom prst="rect">
+            <a:avLst/>
+          </a:prstGeom>
+        </p:spPr>
+      </p:pic>
+      <p:pic>
+        <p:nvPicPr>
+          <p:cNvPr id="12" name="图片 11"/>
+          <p:cNvPicPr>
+            <a:picLocks noChangeAspect="1"/>
+          </p:cNvPicPr>
+          <p:nvPr/>
+        </p:nvPicPr>
+        <p:blipFill rotWithShape="1">
+          <a:blip r:embed="rId3">
+            <a:extLst>
+              <a:ext uri="{28A0092B-C50C-407E-A947-70E740481C1C}">
+                <a14:useLocalDpi xmlns:a14="http://schemas.microsoft.com/office/drawing/2010/main" val="0"/>
+              </a:ext>
+            </a:extLst>
+          </a:blip>
+          <a:srcRect l="10094" t="34090" r="7831" b="38397"/>
+          <a:stretch/>
+        </p:blipFill>
+        <p:spPr>
+          <a:xfrm>
+            <a:off x="597878" y="2727506"/>
+            <a:ext cx="7504982" cy="1708032"/>
+          </a:xfrm>
+          <a:prstGeom prst="rect">
+            <a:avLst/>
+          </a:prstGeom>
+        </p:spPr>
+      </p:pic>
+      <p:pic>
+        <p:nvPicPr>
+          <p:cNvPr id="10" name="图片 9"/>
+          <p:cNvPicPr>
+            <a:picLocks noChangeAspect="1"/>
+          </p:cNvPicPr>
+          <p:nvPr/>
+        </p:nvPicPr>
+        <p:blipFill rotWithShape="1">
+          <a:blip r:embed="rId4">
+            <a:extLst>
+              <a:ext uri="{28A0092B-C50C-407E-A947-70E740481C1C}">
+                <a14:useLocalDpi xmlns:a14="http://schemas.microsoft.com/office/drawing/2010/main" val="0"/>
+              </a:ext>
+            </a:extLst>
+          </a:blip>
+          <a:srcRect l="9423" t="33245" r="8269" b="38230"/>
+          <a:stretch/>
+        </p:blipFill>
+        <p:spPr>
+          <a:xfrm>
+            <a:off x="597878" y="916291"/>
+            <a:ext cx="7526216" cy="1811215"/>
+          </a:xfrm>
+          <a:prstGeom prst="rect">
+            <a:avLst/>
+          </a:prstGeom>
+        </p:spPr>
+      </p:pic>
       <p:sp>
         <p:nvSpPr>
           <p:cNvPr id="2" name="标题 1"/>
@@ -6199,7 +6131,7 @@
         </p:nvSpPr>
         <p:spPr bwMode="auto">
           <a:xfrm>
-            <a:off x="516474" y="1712830"/>
+            <a:off x="516474" y="750791"/>
             <a:ext cx="6950320" cy="400110"/>
           </a:xfrm>
           <a:prstGeom prst="rect">
@@ -6270,7 +6202,55 @@
                 <a:ea typeface="华文细黑" panose="02010600040101010101" pitchFamily="2" charset="-122"/>
                 <a:cs typeface="Times New Roman" panose="02020603050405020304" pitchFamily="18" charset="0"/>
               </a:rPr>
-              <a:t>速度：</a:t>
+              <a:t>速度</a:t>
+            </a:r>
+            <a:r>
+              <a:rPr lang="en-US" altLang="zh-CN" sz="2000" dirty="0" smtClean="0">
+                <a:latin typeface="Times New Roman" panose="02020603050405020304" pitchFamily="18" charset="0"/>
+                <a:ea typeface="华文细黑" panose="02010600040101010101" pitchFamily="2" charset="-122"/>
+                <a:cs typeface="Times New Roman" panose="02020603050405020304" pitchFamily="18" charset="0"/>
+              </a:rPr>
+              <a:t>(x</a:t>
+            </a:r>
+            <a:r>
+              <a:rPr lang="zh-CN" altLang="en-US" sz="2000" dirty="0" smtClean="0">
+                <a:latin typeface="Times New Roman" panose="02020603050405020304" pitchFamily="18" charset="0"/>
+                <a:ea typeface="华文细黑" panose="02010600040101010101" pitchFamily="2" charset="-122"/>
+                <a:cs typeface="Times New Roman" panose="02020603050405020304" pitchFamily="18" charset="0"/>
+              </a:rPr>
+              <a:t>方向入口速度分别为</a:t>
+            </a:r>
+            <a:r>
+              <a:rPr lang="en-US" altLang="zh-CN" sz="2000" dirty="0" smtClean="0">
+                <a:latin typeface="Times New Roman" panose="02020603050405020304" pitchFamily="18" charset="0"/>
+                <a:ea typeface="华文细黑" panose="02010600040101010101" pitchFamily="2" charset="-122"/>
+                <a:cs typeface="Times New Roman" panose="02020603050405020304" pitchFamily="18" charset="0"/>
+              </a:rPr>
+              <a:t>0.002</a:t>
+            </a:r>
+            <a:r>
+              <a:rPr lang="zh-CN" altLang="en-US" sz="2000" dirty="0" smtClean="0">
+                <a:latin typeface="Times New Roman" panose="02020603050405020304" pitchFamily="18" charset="0"/>
+                <a:ea typeface="华文细黑" panose="02010600040101010101" pitchFamily="2" charset="-122"/>
+                <a:cs typeface="Times New Roman" panose="02020603050405020304" pitchFamily="18" charset="0"/>
+              </a:rPr>
+              <a:t>与</a:t>
+            </a:r>
+            <a:r>
+              <a:rPr lang="en-US" altLang="zh-CN" sz="2000" dirty="0" smtClean="0">
+                <a:latin typeface="Times New Roman" panose="02020603050405020304" pitchFamily="18" charset="0"/>
+                <a:ea typeface="华文细黑" panose="02010600040101010101" pitchFamily="2" charset="-122"/>
+                <a:cs typeface="Times New Roman" panose="02020603050405020304" pitchFamily="18" charset="0"/>
+              </a:rPr>
+              <a:t>0.004)</a:t>
+            </a:r>
+            <a:r>
+              <a:rPr lang="zh-CN" altLang="en-US" sz="2000" dirty="0" smtClean="0">
+                <a:latin typeface="Times New Roman" panose="02020603050405020304" pitchFamily="18" charset="0"/>
+                <a:ea typeface="华文细黑" panose="02010600040101010101" pitchFamily="2" charset="-122"/>
+                <a:cs typeface="Times New Roman" panose="02020603050405020304" pitchFamily="18" charset="0"/>
+              </a:rPr>
+              <a:t>：</a:t>
             </a:r>
             <a:endParaRPr kumimoji="0" lang="zh-CN" altLang="en-US" sz="1800" b="0" i="0" u="none" strike="noStrike" cap="none" normalizeH="0" baseline="0" dirty="0" smtClean="0">
               <a:ln>
@@ -6295,7 +6275,7 @@
         </p:nvSpPr>
         <p:spPr bwMode="auto">
           <a:xfrm>
-            <a:off x="516474" y="2882953"/>
+            <a:off x="516470" y="4720306"/>
             <a:ext cx="6950320" cy="400110"/>
           </a:xfrm>
           <a:prstGeom prst="rect">
@@ -6366,7 +6346,23 @@
                 <a:ea typeface="华文细黑" panose="02010600040101010101" pitchFamily="2" charset="-122"/>
                 <a:cs typeface="Times New Roman" panose="02020603050405020304" pitchFamily="18" charset="0"/>
               </a:rPr>
-              <a:t>速度：</a:t>
+              <a:t>速度（</a:t>
+            </a:r>
+            <a:r>
+              <a:rPr lang="en-US" altLang="zh-CN" sz="2000" dirty="0" smtClean="0">
+                <a:latin typeface="Times New Roman" panose="02020603050405020304" pitchFamily="18" charset="0"/>
+                <a:ea typeface="华文细黑" panose="02010600040101010101" pitchFamily="2" charset="-122"/>
+                <a:cs typeface="Times New Roman" panose="02020603050405020304" pitchFamily="18" charset="0"/>
+              </a:rPr>
+              <a:t>x</a:t>
+            </a:r>
+            <a:r>
+              <a:rPr lang="zh-CN" altLang="en-US" sz="2000" dirty="0" smtClean="0">
+                <a:latin typeface="Times New Roman" panose="02020603050405020304" pitchFamily="18" charset="0"/>
+                <a:ea typeface="华文细黑" panose="02010600040101010101" pitchFamily="2" charset="-122"/>
+                <a:cs typeface="Times New Roman" panose="02020603050405020304" pitchFamily="18" charset="0"/>
+              </a:rPr>
+              <a:t>方向入口速度为）：</a:t>
             </a:r>
             <a:endParaRPr kumimoji="0" lang="zh-CN" altLang="en-US" sz="1800" b="0" i="0" u="none" strike="noStrike" cap="none" normalizeH="0" baseline="0" dirty="0" smtClean="0">
               <a:ln>
@@ -6581,15 +6577,7 @@
                 <a:ea typeface="华文细黑" panose="02010600040101010101" pitchFamily="2" charset="-122"/>
                 <a:cs typeface="Times New Roman" panose="02020603050405020304" pitchFamily="18" charset="0"/>
               </a:rPr>
-              <a:t>与布拉修斯解</a:t>
-            </a:r>
-            <a:r>
-              <a:rPr lang="zh-CN" altLang="en-US" sz="2000" dirty="0" smtClean="0">
-                <a:latin typeface="Times New Roman" panose="02020603050405020304" pitchFamily="18" charset="0"/>
-                <a:ea typeface="华文细黑" panose="02010600040101010101" pitchFamily="2" charset="-122"/>
-                <a:cs typeface="Times New Roman" panose="02020603050405020304" pitchFamily="18" charset="0"/>
-              </a:rPr>
-              <a:t>比较</a:t>
+              <a:t>与布拉修斯解比较</a:t>
             </a:r>
             <a:r>
               <a:rPr lang="zh-CN" altLang="en-US" sz="2000" dirty="0">
@@ -6634,7 +6622,7 @@
           <a:graphicData uri="http://schemas.openxmlformats.org/presentationml/2006/ole">
             <mc:AlternateContent xmlns:mc="http://schemas.openxmlformats.org/markup-compatibility/2006">
               <mc:Choice xmlns:v="urn:schemas-microsoft-com:vml" Requires="v">
-                <p:oleObj spid="_x0000_s29703" name="Equation" r:id="rId3" imgW="901309" imgH="469696" progId="Equation.DSMT4">
+                <p:oleObj spid="_x0000_s29726" name="Equation" r:id="rId3" imgW="901309" imgH="469696" progId="Equation.DSMT4">
                   <p:embed/>
                 </p:oleObj>
               </mc:Choice>
@@ -6679,39 +6667,6 @@
           </a:graphicData>
         </a:graphic>
       </p:graphicFrame>
-      <p:pic>
-        <p:nvPicPr>
-          <p:cNvPr id="7" name="图片 6"/>
-          <p:cNvPicPr/>
-          <p:nvPr/>
-        </p:nvPicPr>
-        <p:blipFill>
-          <a:blip r:embed="rId5">
-            <a:extLst>
-              <a:ext uri="{28A0092B-C50C-407E-A947-70E740481C1C}">
-                <a14:useLocalDpi xmlns:a14="http://schemas.microsoft.com/office/drawing/2010/main" val="0"/>
-              </a:ext>
-            </a:extLst>
-          </a:blip>
-          <a:srcRect/>
-          <a:stretch>
-            <a:fillRect/>
-          </a:stretch>
-        </p:blipFill>
-        <p:spPr bwMode="auto">
-          <a:xfrm>
-            <a:off x="516474" y="2157731"/>
-            <a:ext cx="7391956" cy="2224093"/>
-          </a:xfrm>
-          <a:prstGeom prst="rect">
-            <a:avLst/>
-          </a:prstGeom>
-          <a:noFill/>
-          <a:ln>
-            <a:noFill/>
-          </a:ln>
-        </p:spPr>
-      </p:pic>
       <p:sp>
         <p:nvSpPr>
           <p:cNvPr id="9" name="Rectangle 6"/>
@@ -6793,15 +6748,15 @@
                 <a:ea typeface="华文细黑" panose="02010600040101010101" pitchFamily="2" charset="-122"/>
                 <a:cs typeface="Times New Roman" panose="02020603050405020304" pitchFamily="18" charset="0"/>
               </a:rPr>
-              <a:t>近似解计算得到的计算域出口位置的边界层厚度约为</a:t>
-            </a:r>
-            <a:r>
-              <a:rPr lang="en-US" altLang="zh-CN" sz="2000" dirty="0">
+              <a:t>近似解计算得到的计算域出口位置的边界层厚度</a:t>
+            </a:r>
+            <a:r>
+              <a:rPr lang="zh-CN" altLang="en-US" sz="2000" dirty="0" smtClean="0">
                 <a:latin typeface="Times New Roman" panose="02020603050405020304" pitchFamily="18" charset="0"/>
                 <a:ea typeface="华文细黑" panose="02010600040101010101" pitchFamily="2" charset="-122"/>
                 <a:cs typeface="Times New Roman" panose="02020603050405020304" pitchFamily="18" charset="0"/>
               </a:rPr>
-              <a:t>0.08m</a:t>
+              <a:t>约与使用</a:t>
             </a:r>
             <a:r>
               <a:rPr lang="zh-CN" altLang="en-US" sz="2000" dirty="0">
@@ -6809,15 +6764,7 @@
                 <a:ea typeface="华文细黑" panose="02010600040101010101" pitchFamily="2" charset="-122"/>
                 <a:cs typeface="Times New Roman" panose="02020603050405020304" pitchFamily="18" charset="0"/>
               </a:rPr>
-              <a:t>，使用本题编写的基于有限体积法的层流边界层流动计算程序得到的计算域出口边界层厚度大小为</a:t>
-            </a:r>
-            <a:r>
-              <a:rPr lang="en-US" altLang="zh-CN" sz="2000" dirty="0" smtClean="0">
-                <a:latin typeface="Times New Roman" panose="02020603050405020304" pitchFamily="18" charset="0"/>
-                <a:ea typeface="华文细黑" panose="02010600040101010101" pitchFamily="2" charset="-122"/>
-                <a:cs typeface="Times New Roman" panose="02020603050405020304" pitchFamily="18" charset="0"/>
-              </a:rPr>
-              <a:t>0.75m</a:t>
+              <a:t>本题编写的基于有限体积法的层流边界层流动计算程序得到</a:t>
             </a:r>
             <a:r>
               <a:rPr lang="zh-CN" altLang="en-US" sz="2000" dirty="0" smtClean="0">
@@ -6825,7 +6772,7 @@
                 <a:ea typeface="华文细黑" panose="02010600040101010101" pitchFamily="2" charset="-122"/>
                 <a:cs typeface="Times New Roman" panose="02020603050405020304" pitchFamily="18" charset="0"/>
               </a:rPr>
-              <a:t>：</a:t>
+              <a:t>的结果基本相同</a:t>
             </a:r>
             <a:endParaRPr kumimoji="0" lang="zh-CN" altLang="en-US" sz="1800" b="0" i="0" u="none" strike="noStrike" cap="none" normalizeH="0" baseline="0" dirty="0" smtClean="0">
               <a:ln>
@@ -6840,6 +6787,35 @@
           </a:p>
         </p:txBody>
       </p:sp>
+      <p:pic>
+        <p:nvPicPr>
+          <p:cNvPr id="3" name="图片 2"/>
+          <p:cNvPicPr>
+            <a:picLocks noChangeAspect="1"/>
+          </p:cNvPicPr>
+          <p:nvPr/>
+        </p:nvPicPr>
+        <p:blipFill rotWithShape="1">
+          <a:blip r:embed="rId5">
+            <a:extLst>
+              <a:ext uri="{28A0092B-C50C-407E-A947-70E740481C1C}">
+                <a14:useLocalDpi xmlns:a14="http://schemas.microsoft.com/office/drawing/2010/main" val="0"/>
+              </a:ext>
+            </a:extLst>
+          </a:blip>
+          <a:srcRect l="9231" t="34184" r="7404" b="35641"/>
+          <a:stretch/>
+        </p:blipFill>
+        <p:spPr>
+          <a:xfrm>
+            <a:off x="782514" y="2199579"/>
+            <a:ext cx="7622930" cy="1907931"/>
+          </a:xfrm>
+          <a:prstGeom prst="rect">
+            <a:avLst/>
+          </a:prstGeom>
+        </p:spPr>
+      </p:pic>
     </p:spTree>
     <p:extLst>
       <p:ext uri="{BB962C8B-B14F-4D97-AF65-F5344CB8AC3E}">
@@ -6901,69 +6877,6 @@
               <a:latin typeface="华文细黑" panose="02010600040101010101" pitchFamily="2" charset="-122"/>
               <a:ea typeface="华文细黑" panose="02010600040101010101" pitchFamily="2" charset="-122"/>
             </a:endParaRPr>
-          </a:p>
-        </p:txBody>
-      </p:sp>
-      <p:sp>
-        <p:nvSpPr>
-          <p:cNvPr id="16" name="Rectangle 6"/>
-          <p:cNvSpPr>
-            <a:spLocks noChangeArrowheads="1"/>
-          </p:cNvSpPr>
-          <p:nvPr/>
-        </p:nvSpPr>
-        <p:spPr bwMode="auto">
-          <a:xfrm>
-            <a:off x="1243697" y="6007854"/>
-            <a:ext cx="9144000" cy="0"/>
-          </a:xfrm>
-          <a:prstGeom prst="rect">
-            <a:avLst/>
-          </a:prstGeom>
-          <a:noFill/>
-          <a:ln>
-            <a:noFill/>
-          </a:ln>
-          <a:effectLst/>
-          <a:extLst>
-            <a:ext uri="{909E8E84-426E-40DD-AFC4-6F175D3DCCD1}">
-              <a14:hiddenFill xmlns:a14="http://schemas.microsoft.com/office/drawing/2010/main">
-                <a:solidFill>
-                  <a:schemeClr val="accent1"/>
-                </a:solidFill>
-              </a14:hiddenFill>
-            </a:ext>
-            <a:ext uri="{91240B29-F687-4F45-9708-019B960494DF}">
-              <a14:hiddenLine xmlns:a14="http://schemas.microsoft.com/office/drawing/2010/main" w="9525">
-                <a:solidFill>
-                  <a:schemeClr val="tx1"/>
-                </a:solidFill>
-                <a:miter lim="800000"/>
-                <a:headEnd/>
-                <a:tailEnd/>
-              </a14:hiddenLine>
-            </a:ext>
-            <a:ext uri="{AF507438-7753-43E0-B8FC-AC1667EBCBE1}">
-              <a14:hiddenEffects xmlns:a14="http://schemas.microsoft.com/office/drawing/2010/main">
-                <a:effectLst>
-                  <a:outerShdw dist="35921" dir="2700000" algn="ctr" rotWithShape="0">
-                    <a:schemeClr val="bg2"/>
-                  </a:outerShdw>
-                </a:effectLst>
-              </a14:hiddenEffects>
-            </a:ext>
-          </a:extLst>
-        </p:spPr>
-        <p:txBody>
-          <a:bodyPr vert="horz" wrap="none" lIns="91440" tIns="45720" rIns="91440" bIns="45720" numCol="1" anchor="ctr" anchorCtr="0" compatLnSpc="1">
-            <a:prstTxWarp prst="textNoShape">
-              <a:avLst/>
-            </a:prstTxWarp>
-            <a:spAutoFit/>
-          </a:bodyPr>
-          <a:lstStyle/>
-          <a:p>
-            <a:endParaRPr lang="zh-CN" altLang="en-US"/>
           </a:p>
         </p:txBody>
       </p:sp>
@@ -7169,7 +7082,7 @@
         </p:nvSpPr>
         <p:spPr bwMode="auto">
           <a:xfrm>
-            <a:off x="846474" y="4773605"/>
+            <a:off x="691199" y="4808111"/>
             <a:ext cx="6950320" cy="400110"/>
           </a:xfrm>
           <a:prstGeom prst="rect">
@@ -7227,12 +7140,20 @@
               </a:spcAft>
             </a:pPr>
             <a:r>
-              <a:rPr lang="zh-CN" altLang="en-US" sz="2000" smtClean="0">
+              <a:rPr lang="zh-CN" altLang="en-US" sz="2000" dirty="0" smtClean="0">
                 <a:latin typeface="Times New Roman" panose="02020603050405020304" pitchFamily="18" charset="0"/>
                 <a:ea typeface="华文细黑" panose="02010600040101010101" pitchFamily="2" charset="-122"/>
                 <a:cs typeface="Times New Roman" panose="02020603050405020304" pitchFamily="18" charset="0"/>
               </a:rPr>
-              <a:t>结果看出，在相同条件下，流动变为湍流后边界层：</a:t>
+              <a:t>结果看出，在相同条件下，流动变为湍流后</a:t>
+            </a:r>
+            <a:r>
+              <a:rPr lang="zh-CN" altLang="en-US" sz="2000" dirty="0" smtClean="0">
+                <a:latin typeface="Times New Roman" panose="02020603050405020304" pitchFamily="18" charset="0"/>
+                <a:ea typeface="华文细黑" panose="02010600040101010101" pitchFamily="2" charset="-122"/>
+                <a:cs typeface="Times New Roman" panose="02020603050405020304" pitchFamily="18" charset="0"/>
+              </a:rPr>
+              <a:t>边界层变薄</a:t>
             </a:r>
             <a:endParaRPr kumimoji="0" lang="zh-CN" altLang="en-US" sz="1800" b="0" i="0" u="none" strike="noStrike" cap="none" normalizeH="0" baseline="0" dirty="0" smtClean="0">
               <a:ln>
@@ -7525,7 +7446,7 @@
           <a:graphicData uri="http://schemas.openxmlformats.org/presentationml/2006/ole">
             <mc:AlternateContent xmlns:mc="http://schemas.openxmlformats.org/markup-compatibility/2006">
               <mc:Choice xmlns:v="urn:schemas-microsoft-com:vml" Requires="v">
-                <p:oleObj spid="_x0000_s1286" name="Equation" r:id="rId3" imgW="1498600" imgH="914400" progId="Equation.DSMT4">
+                <p:oleObj spid="_x0000_s1328" name="Equation" r:id="rId3" imgW="1498600" imgH="914400" progId="Equation.DSMT4">
                   <p:embed/>
                 </p:oleObj>
               </mc:Choice>
@@ -7655,7 +7576,7 @@
           <a:graphicData uri="http://schemas.openxmlformats.org/presentationml/2006/ole">
             <mc:AlternateContent xmlns:mc="http://schemas.openxmlformats.org/markup-compatibility/2006">
               <mc:Choice xmlns:v="urn:schemas-microsoft-com:vml" Requires="v">
-                <p:oleObj spid="_x0000_s1287" name="Equation" r:id="rId5" imgW="2743200" imgH="990600" progId="Equation.DSMT4">
+                <p:oleObj spid="_x0000_s1329" name="Equation" r:id="rId5" imgW="2743200" imgH="990600" progId="Equation.DSMT4">
                   <p:embed/>
                 </p:oleObj>
               </mc:Choice>
@@ -8033,7 +7954,7 @@
           <a:graphicData uri="http://schemas.openxmlformats.org/presentationml/2006/ole">
             <mc:AlternateContent xmlns:mc="http://schemas.openxmlformats.org/markup-compatibility/2006">
               <mc:Choice xmlns:v="urn:schemas-microsoft-com:vml" Requires="v">
-                <p:oleObj spid="_x0000_s20740" name="Equation" r:id="rId3" imgW="2590800" imgH="393700" progId="Equation.DSMT4">
+                <p:oleObj spid="_x0000_s20824" name="Equation" r:id="rId3" imgW="2590800" imgH="393700" progId="Equation.DSMT4">
                   <p:embed/>
                 </p:oleObj>
               </mc:Choice>
@@ -8100,7 +8021,7 @@
           <a:graphicData uri="http://schemas.openxmlformats.org/presentationml/2006/ole">
             <mc:AlternateContent xmlns:mc="http://schemas.openxmlformats.org/markup-compatibility/2006">
               <mc:Choice xmlns:v="urn:schemas-microsoft-com:vml" Requires="v">
-                <p:oleObj spid="_x0000_s20741" name="Equation" r:id="rId5" imgW="2387600" imgH="482600" progId="Equation.DSMT4">
+                <p:oleObj spid="_x0000_s20825" name="Equation" r:id="rId5" imgW="2387600" imgH="482600" progId="Equation.DSMT4">
                   <p:embed/>
                 </p:oleObj>
               </mc:Choice>
@@ -8271,7 +8192,7 @@
           <a:graphicData uri="http://schemas.openxmlformats.org/presentationml/2006/ole">
             <mc:AlternateContent xmlns:mc="http://schemas.openxmlformats.org/markup-compatibility/2006">
               <mc:Choice xmlns:v="urn:schemas-microsoft-com:vml" Requires="v">
-                <p:oleObj spid="_x0000_s20742" name="Equation" r:id="rId7" imgW="2882900" imgH="482600" progId="Equation.DSMT4">
+                <p:oleObj spid="_x0000_s20826" name="Equation" r:id="rId7" imgW="2882900" imgH="482600" progId="Equation.DSMT4">
                   <p:embed/>
                 </p:oleObj>
               </mc:Choice>
@@ -8338,7 +8259,7 @@
           <a:graphicData uri="http://schemas.openxmlformats.org/presentationml/2006/ole">
             <mc:AlternateContent xmlns:mc="http://schemas.openxmlformats.org/markup-compatibility/2006">
               <mc:Choice xmlns:v="urn:schemas-microsoft-com:vml" Requires="v">
-                <p:oleObj spid="_x0000_s20743" name="Equation" r:id="rId9" imgW="3517900" imgH="482600" progId="Equation.DSMT4">
+                <p:oleObj spid="_x0000_s20827" name="Equation" r:id="rId9" imgW="3517900" imgH="482600" progId="Equation.DSMT4">
                   <p:embed/>
                 </p:oleObj>
               </mc:Choice>
@@ -8547,7 +8468,7 @@
           <a:graphicData uri="http://schemas.openxmlformats.org/presentationml/2006/ole">
             <mc:AlternateContent xmlns:mc="http://schemas.openxmlformats.org/markup-compatibility/2006">
               <mc:Choice xmlns:v="urn:schemas-microsoft-com:vml" Requires="v">
-                <p:oleObj spid="_x0000_s21751" name="Equation" r:id="rId3" imgW="4660900" imgH="457200" progId="Equation.DSMT4">
+                <p:oleObj spid="_x0000_s21835" name="Equation" r:id="rId3" imgW="4660900" imgH="457200" progId="Equation.DSMT4">
                   <p:embed/>
                 </p:oleObj>
               </mc:Choice>
@@ -8614,7 +8535,7 @@
           <a:graphicData uri="http://schemas.openxmlformats.org/presentationml/2006/ole">
             <mc:AlternateContent xmlns:mc="http://schemas.openxmlformats.org/markup-compatibility/2006">
               <mc:Choice xmlns:v="urn:schemas-microsoft-com:vml" Requires="v">
-                <p:oleObj spid="_x0000_s21752" name="Equation" r:id="rId5" imgW="952087" imgH="203112" progId="Equation.DSMT4">
+                <p:oleObj spid="_x0000_s21836" name="Equation" r:id="rId5" imgW="952087" imgH="203112" progId="Equation.DSMT4">
                   <p:embed/>
                 </p:oleObj>
               </mc:Choice>
@@ -8681,7 +8602,7 @@
           <a:graphicData uri="http://schemas.openxmlformats.org/presentationml/2006/ole">
             <mc:AlternateContent xmlns:mc="http://schemas.openxmlformats.org/markup-compatibility/2006">
               <mc:Choice xmlns:v="urn:schemas-microsoft-com:vml" Requires="v">
-                <p:oleObj spid="_x0000_s21753" name="Equation" r:id="rId7" imgW="1130040" imgH="203040" progId="Equation.DSMT4">
+                <p:oleObj spid="_x0000_s21837" name="Equation" r:id="rId7" imgW="1130040" imgH="203040" progId="Equation.DSMT4">
                   <p:embed/>
                 </p:oleObj>
               </mc:Choice>
@@ -8888,7 +8809,7 @@
           <a:graphicData uri="http://schemas.openxmlformats.org/presentationml/2006/ole">
             <mc:AlternateContent xmlns:mc="http://schemas.openxmlformats.org/markup-compatibility/2006">
               <mc:Choice xmlns:v="urn:schemas-microsoft-com:vml" Requires="v">
-                <p:oleObj spid="_x0000_s21754" name="Equation" r:id="rId9" imgW="2463480" imgH="1143000" progId="Equation.DSMT4">
+                <p:oleObj spid="_x0000_s21838" name="Equation" r:id="rId9" imgW="2463480" imgH="1143000" progId="Equation.DSMT4">
                   <p:embed/>
                 </p:oleObj>
               </mc:Choice>
@@ -10514,7 +10435,7 @@
           <a:graphicData uri="http://schemas.openxmlformats.org/presentationml/2006/ole">
             <mc:AlternateContent xmlns:mc="http://schemas.openxmlformats.org/markup-compatibility/2006">
               <mc:Choice xmlns:v="urn:schemas-microsoft-com:vml" Requires="v">
-                <p:oleObj spid="_x0000_s23268" name="Equation" r:id="rId3" imgW="1981080" imgH="533160" progId="Equation.DSMT4">
+                <p:oleObj spid="_x0000_s23310" name="Equation" r:id="rId3" imgW="1981080" imgH="533160" progId="Equation.DSMT4">
                   <p:embed/>
                 </p:oleObj>
               </mc:Choice>
@@ -10575,7 +10496,7 @@
           <a:graphicData uri="http://schemas.openxmlformats.org/presentationml/2006/ole">
             <mc:AlternateContent xmlns:mc="http://schemas.openxmlformats.org/markup-compatibility/2006">
               <mc:Choice xmlns:v="urn:schemas-microsoft-com:vml" Requires="v">
-                <p:oleObj spid="_x0000_s23269" name="Equation" r:id="rId5" imgW="3543300" imgH="279400" progId="Equation.DSMT4">
+                <p:oleObj spid="_x0000_s23311" name="Equation" r:id="rId5" imgW="3543300" imgH="279400" progId="Equation.DSMT4">
                   <p:embed/>
                 </p:oleObj>
               </mc:Choice>
@@ -12258,7 +12179,7 @@
           <a:graphicData uri="http://schemas.openxmlformats.org/presentationml/2006/ole">
             <mc:AlternateContent xmlns:mc="http://schemas.openxmlformats.org/markup-compatibility/2006">
               <mc:Choice xmlns:v="urn:schemas-microsoft-com:vml" Requires="v">
-                <p:oleObj spid="_x0000_s25707" name="Equation" r:id="rId3" imgW="3060360" imgH="253800" progId="Equation.DSMT4">
+                <p:oleObj spid="_x0000_s25812" name="Equation" r:id="rId3" imgW="3060360" imgH="253800" progId="Equation.DSMT4">
                   <p:embed/>
                 </p:oleObj>
               </mc:Choice>
@@ -12319,7 +12240,7 @@
           <a:graphicData uri="http://schemas.openxmlformats.org/presentationml/2006/ole">
             <mc:AlternateContent xmlns:mc="http://schemas.openxmlformats.org/markup-compatibility/2006">
               <mc:Choice xmlns:v="urn:schemas-microsoft-com:vml" Requires="v">
-                <p:oleObj spid="_x0000_s25708" name="Equation" r:id="rId5" imgW="672840" imgH="457200" progId="Equation.DSMT4">
+                <p:oleObj spid="_x0000_s25813" name="Equation" r:id="rId5" imgW="672840" imgH="457200" progId="Equation.DSMT4">
                   <p:embed/>
                 </p:oleObj>
               </mc:Choice>
@@ -12441,8 +12362,8 @@
           </a:p>
         </p:txBody>
       </p:sp>
-      <mc:AlternateContent xmlns:mc="http://schemas.openxmlformats.org/markup-compatibility/2006">
-        <mc:Choice xmlns:a14="http://schemas.microsoft.com/office/drawing/2010/main" Requires="a14">
+      <mc:AlternateContent xmlns:mc="http://schemas.openxmlformats.org/markup-compatibility/2006" xmlns:a14="http://schemas.microsoft.com/office/drawing/2010/main">
+        <mc:Choice Requires="a14">
           <p:graphicFrame>
             <p:nvGraphicFramePr>
               <p:cNvPr id="78" name="表格 77"/>
@@ -12531,11 +12452,11 @@
                                   <m:dPr>
                                     <m:begChr m:val=""/>
                                     <m:ctrlPr>
-                                      <a:rPr lang="zh-CN" altLang="en-US" sz="1800" b="1" kern="1200" smtClean="0">
+                                      <a:rPr lang="zh-CN" altLang="en-US" sz="1800" b="1" i="1" kern="1200" smtClean="0">
                                         <a:solidFill>
                                           <a:schemeClr val="lt1"/>
                                         </a:solidFill>
-                                        <a:latin typeface="+mn-lt"/>
+                                        <a:latin typeface="Cambria Math" panose="02040503050406030204" pitchFamily="18" charset="0"/>
                                         <a:ea typeface="+mn-ea"/>
                                         <a:cs typeface="+mn-cs"/>
                                       </a:rPr>
@@ -12547,7 +12468,7 @@
                                         <a:solidFill>
                                           <a:schemeClr val="lt1"/>
                                         </a:solidFill>
-                                        <a:latin typeface="+mn-lt"/>
+                                        <a:latin typeface="Cambria Math" panose="02040503050406030204" pitchFamily="18" charset="0"/>
                                         <a:ea typeface="+mn-ea"/>
                                         <a:cs typeface="+mn-cs"/>
                                       </a:rPr>
@@ -12558,7 +12479,7 @@
                                         <a:solidFill>
                                           <a:schemeClr val="lt1"/>
                                         </a:solidFill>
-                                        <a:latin typeface="+mn-lt"/>
+                                        <a:latin typeface="Cambria Math" panose="02040503050406030204" pitchFamily="18" charset="0"/>
                                         <a:ea typeface="+mn-ea"/>
                                         <a:cs typeface="+mn-cs"/>
                                       </a:rPr>
@@ -12569,7 +12490,7 @@
                                         <a:solidFill>
                                           <a:schemeClr val="lt1"/>
                                         </a:solidFill>
-                                        <a:latin typeface="+mn-lt"/>
+                                        <a:latin typeface="Cambria Math" panose="02040503050406030204" pitchFamily="18" charset="0"/>
                                         <a:ea typeface="+mn-ea"/>
                                         <a:cs typeface="+mn-cs"/>
                                       </a:rPr>
@@ -12580,7 +12501,7 @@
                                         <a:solidFill>
                                           <a:schemeClr val="lt1"/>
                                         </a:solidFill>
-                                        <a:latin typeface="+mn-lt"/>
+                                        <a:latin typeface="Cambria Math" panose="02040503050406030204" pitchFamily="18" charset="0"/>
                                         <a:ea typeface="+mn-ea"/>
                                         <a:cs typeface="+mn-cs"/>
                                       </a:rPr>
@@ -12627,11 +12548,11 @@
                                   <m:dPr>
                                     <m:begChr m:val=""/>
                                     <m:ctrlPr>
-                                      <a:rPr lang="zh-CN" altLang="en-US" sz="1800" b="1" kern="1200" smtClean="0">
+                                      <a:rPr lang="zh-CN" altLang="en-US" sz="1800" b="1" i="1" kern="1200" smtClean="0">
                                         <a:solidFill>
                                           <a:schemeClr val="lt1"/>
                                         </a:solidFill>
-                                        <a:latin typeface="+mn-lt"/>
+                                        <a:latin typeface="Cambria Math" panose="02040503050406030204" pitchFamily="18" charset="0"/>
                                         <a:ea typeface="+mn-ea"/>
                                         <a:cs typeface="+mn-cs"/>
                                       </a:rPr>
@@ -12643,7 +12564,7 @@
                                         <a:solidFill>
                                           <a:schemeClr val="lt1"/>
                                         </a:solidFill>
-                                        <a:latin typeface="+mn-lt"/>
+                                        <a:latin typeface="Cambria Math" panose="02040503050406030204" pitchFamily="18" charset="0"/>
                                         <a:ea typeface="+mn-ea"/>
                                         <a:cs typeface="+mn-cs"/>
                                       </a:rPr>
@@ -12654,7 +12575,7 @@
                                         <a:solidFill>
                                           <a:schemeClr val="lt1"/>
                                         </a:solidFill>
-                                        <a:latin typeface="+mn-lt"/>
+                                        <a:latin typeface="Cambria Math" panose="02040503050406030204" pitchFamily="18" charset="0"/>
                                         <a:ea typeface="+mn-ea"/>
                                         <a:cs typeface="+mn-cs"/>
                                       </a:rPr>
@@ -12665,7 +12586,7 @@
                                         <a:solidFill>
                                           <a:schemeClr val="lt1"/>
                                         </a:solidFill>
-                                        <a:latin typeface="+mn-lt"/>
+                                        <a:latin typeface="Cambria Math" panose="02040503050406030204" pitchFamily="18" charset="0"/>
                                         <a:ea typeface="+mn-ea"/>
                                         <a:cs typeface="+mn-cs"/>
                                       </a:rPr>
@@ -12676,7 +12597,7 @@
                                         <a:solidFill>
                                           <a:schemeClr val="lt1"/>
                                         </a:solidFill>
-                                        <a:latin typeface="+mn-lt"/>
+                                        <a:latin typeface="Cambria Math" panose="02040503050406030204" pitchFamily="18" charset="0"/>
                                         <a:ea typeface="+mn-ea"/>
                                         <a:cs typeface="+mn-cs"/>
                                       </a:rPr>
@@ -12758,7 +12679,7 @@
                                     <a:solidFill>
                                       <a:schemeClr val="dk1"/>
                                     </a:solidFill>
-                                    <a:latin typeface="+mn-lt"/>
+                                    <a:latin typeface="Cambria Math" panose="02040503050406030204" pitchFamily="18" charset="0"/>
                                     <a:ea typeface="+mn-ea"/>
                                     <a:cs typeface="+mn-cs"/>
                                   </a:rPr>
@@ -12769,7 +12690,7 @@
                                     <a:solidFill>
                                       <a:schemeClr val="dk1"/>
                                     </a:solidFill>
-                                    <a:latin typeface="+mn-lt"/>
+                                    <a:latin typeface="Cambria Math" panose="02040503050406030204" pitchFamily="18" charset="0"/>
                                     <a:ea typeface="+mn-ea"/>
                                     <a:cs typeface="+mn-cs"/>
                                   </a:rPr>
@@ -12780,7 +12701,7 @@
                                     <a:solidFill>
                                       <a:schemeClr val="dk1"/>
                                     </a:solidFill>
-                                    <a:latin typeface="+mn-lt"/>
+                                    <a:latin typeface="Cambria Math" panose="02040503050406030204" pitchFamily="18" charset="0"/>
                                     <a:ea typeface="+mn-ea"/>
                                     <a:cs typeface="+mn-cs"/>
                                   </a:rPr>
@@ -12791,7 +12712,7 @@
                                     <a:solidFill>
                                       <a:schemeClr val="dk1"/>
                                     </a:solidFill>
-                                    <a:latin typeface="+mn-lt"/>
+                                    <a:latin typeface="Cambria Math" panose="02040503050406030204" pitchFamily="18" charset="0"/>
                                     <a:ea typeface="+mn-ea"/>
                                     <a:cs typeface="+mn-cs"/>
                                   </a:rPr>
@@ -12837,7 +12758,7 @@
                                     <a:solidFill>
                                       <a:schemeClr val="dk1"/>
                                     </a:solidFill>
-                                    <a:latin typeface="+mn-lt"/>
+                                    <a:latin typeface="Cambria Math" panose="02040503050406030204" pitchFamily="18" charset="0"/>
                                     <a:ea typeface="+mn-ea"/>
                                     <a:cs typeface="+mn-cs"/>
                                   </a:rPr>
@@ -12848,7 +12769,7 @@
                                     <a:solidFill>
                                       <a:schemeClr val="dk1"/>
                                     </a:solidFill>
-                                    <a:latin typeface="+mn-lt"/>
+                                    <a:latin typeface="Cambria Math" panose="02040503050406030204" pitchFamily="18" charset="0"/>
                                     <a:ea typeface="+mn-ea"/>
                                     <a:cs typeface="+mn-cs"/>
                                   </a:rPr>
@@ -12859,7 +12780,7 @@
                                     <a:solidFill>
                                       <a:schemeClr val="dk1"/>
                                     </a:solidFill>
-                                    <a:latin typeface="+mn-lt"/>
+                                    <a:latin typeface="Cambria Math" panose="02040503050406030204" pitchFamily="18" charset="0"/>
                                     <a:ea typeface="+mn-ea"/>
                                     <a:cs typeface="+mn-cs"/>
                                   </a:rPr>
@@ -12870,7 +12791,7 @@
                                     <a:solidFill>
                                       <a:schemeClr val="dk1"/>
                                     </a:solidFill>
-                                    <a:latin typeface="+mn-lt"/>
+                                    <a:latin typeface="Cambria Math" panose="02040503050406030204" pitchFamily="18" charset="0"/>
                                     <a:ea typeface="+mn-ea"/>
                                     <a:cs typeface="+mn-cs"/>
                                   </a:rPr>
@@ -12881,7 +12802,7 @@
                                     <a:solidFill>
                                       <a:schemeClr val="dk1"/>
                                     </a:solidFill>
-                                    <a:latin typeface="+mn-lt"/>
+                                    <a:latin typeface="Cambria Math" panose="02040503050406030204" pitchFamily="18" charset="0"/>
                                     <a:ea typeface="+mn-ea"/>
                                     <a:cs typeface="+mn-cs"/>
                                   </a:rPr>
@@ -12892,7 +12813,7 @@
                                     <a:solidFill>
                                       <a:schemeClr val="dk1"/>
                                     </a:solidFill>
-                                    <a:latin typeface="+mn-lt"/>
+                                    <a:latin typeface="Cambria Math" panose="02040503050406030204" pitchFamily="18" charset="0"/>
                                     <a:ea typeface="+mn-ea"/>
                                     <a:cs typeface="+mn-cs"/>
                                   </a:rPr>
@@ -13012,7 +12933,7 @@
                                   <a:solidFill>
                                     <a:schemeClr val="dk1"/>
                                   </a:solidFill>
-                                  <a:latin typeface="+mn-lt"/>
+                                  <a:latin typeface="Cambria Math" panose="02040503050406030204" pitchFamily="18" charset="0"/>
                                   <a:ea typeface="+mn-ea"/>
                                   <a:cs typeface="+mn-cs"/>
                                 </a:rPr>
@@ -13023,7 +12944,7 @@
                                   <a:solidFill>
                                     <a:schemeClr val="dk1"/>
                                   </a:solidFill>
-                                  <a:latin typeface="+mn-lt"/>
+                                  <a:latin typeface="Cambria Math" panose="02040503050406030204" pitchFamily="18" charset="0"/>
                                   <a:ea typeface="+mn-ea"/>
                                   <a:cs typeface="+mn-cs"/>
                                 </a:rPr>
@@ -13034,7 +12955,7 @@
                                   <a:solidFill>
                                     <a:schemeClr val="dk1"/>
                                   </a:solidFill>
-                                  <a:latin typeface="+mn-lt"/>
+                                  <a:latin typeface="Cambria Math" panose="02040503050406030204" pitchFamily="18" charset="0"/>
                                   <a:ea typeface="+mn-ea"/>
                                   <a:cs typeface="+mn-cs"/>
                                 </a:rPr>
@@ -13119,11 +13040,11 @@
                                     <m:begChr m:val=""/>
                                     <m:endChr m:val="]"/>
                                     <m:ctrlPr>
-                                      <a:rPr lang="zh-CN" altLang="en-US" sz="1800" kern="1200" smtClean="0">
+                                      <a:rPr lang="zh-CN" altLang="en-US" sz="1800" i="1" kern="1200" smtClean="0">
                                         <a:solidFill>
                                           <a:schemeClr val="dk1"/>
                                         </a:solidFill>
-                                        <a:latin typeface="+mn-lt"/>
+                                        <a:latin typeface="Cambria Math" panose="02040503050406030204" pitchFamily="18" charset="0"/>
                                         <a:ea typeface="+mn-ea"/>
                                         <a:cs typeface="+mn-cs"/>
                                       </a:rPr>
@@ -13134,11 +13055,11 @@
                                       <m:fPr>
                                         <m:type m:val="lin"/>
                                         <m:ctrlPr>
-                                          <a:rPr lang="zh-CN" altLang="en-US" sz="1800" kern="1200">
+                                          <a:rPr lang="zh-CN" altLang="en-US" sz="1800" i="1" kern="1200">
                                             <a:solidFill>
                                               <a:schemeClr val="dk1"/>
                                             </a:solidFill>
-                                            <a:latin typeface="+mn-lt"/>
+                                            <a:latin typeface="Cambria Math" panose="02040503050406030204" pitchFamily="18" charset="0"/>
                                             <a:ea typeface="+mn-ea"/>
                                             <a:cs typeface="+mn-cs"/>
                                           </a:rPr>
@@ -13150,7 +13071,7 @@
                                             <a:solidFill>
                                               <a:schemeClr val="dk1"/>
                                             </a:solidFill>
-                                            <a:latin typeface="+mn-lt"/>
+                                            <a:latin typeface="Cambria Math" panose="02040503050406030204" pitchFamily="18" charset="0"/>
                                             <a:ea typeface="+mn-ea"/>
                                             <a:cs typeface="+mn-cs"/>
                                           </a:rPr>
@@ -13161,7 +13082,7 @@
                                             <a:solidFill>
                                               <a:schemeClr val="dk1"/>
                                             </a:solidFill>
-                                            <a:latin typeface="+mn-lt"/>
+                                            <a:latin typeface="Cambria Math" panose="02040503050406030204" pitchFamily="18" charset="0"/>
                                             <a:ea typeface="+mn-ea"/>
                                             <a:cs typeface="+mn-cs"/>
                                           </a:rPr>
@@ -13172,7 +13093,7 @@
                                             <a:solidFill>
                                               <a:schemeClr val="dk1"/>
                                             </a:solidFill>
-                                            <a:latin typeface="+mn-lt"/>
+                                            <a:latin typeface="Cambria Math" panose="02040503050406030204" pitchFamily="18" charset="0"/>
                                             <a:ea typeface="+mn-ea"/>
                                             <a:cs typeface="+mn-cs"/>
                                           </a:rPr>
@@ -13185,7 +13106,7 @@
                                             <a:solidFill>
                                               <a:schemeClr val="dk1"/>
                                             </a:solidFill>
-                                            <a:latin typeface="+mn-lt"/>
+                                            <a:latin typeface="Cambria Math" panose="02040503050406030204" pitchFamily="18" charset="0"/>
                                             <a:ea typeface="+mn-ea"/>
                                             <a:cs typeface="+mn-cs"/>
                                           </a:rPr>
@@ -13201,7 +13122,7 @@
                                         <a:solidFill>
                                           <a:schemeClr val="dk1"/>
                                         </a:solidFill>
-                                        <a:latin typeface="+mn-lt"/>
+                                        <a:latin typeface="Cambria Math" panose="02040503050406030204" pitchFamily="18" charset="0"/>
                                         <a:ea typeface="+mn-ea"/>
                                         <a:cs typeface="+mn-cs"/>
                                       </a:rPr>
@@ -13212,7 +13133,7 @@
                                         <a:solidFill>
                                           <a:schemeClr val="dk1"/>
                                         </a:solidFill>
-                                        <a:latin typeface="+mn-lt"/>
+                                        <a:latin typeface="Cambria Math" panose="02040503050406030204" pitchFamily="18" charset="0"/>
                                         <a:ea typeface="+mn-ea"/>
                                         <a:cs typeface="+mn-cs"/>
                                       </a:rPr>
@@ -13223,7 +13144,7 @@
                                         <a:solidFill>
                                           <a:schemeClr val="dk1"/>
                                         </a:solidFill>
-                                        <a:latin typeface="+mn-lt"/>
+                                        <a:latin typeface="Cambria Math" panose="02040503050406030204" pitchFamily="18" charset="0"/>
                                         <a:ea typeface="+mn-ea"/>
                                         <a:cs typeface="+mn-cs"/>
                                       </a:rPr>
@@ -13234,7 +13155,7 @@
                                         <a:solidFill>
                                           <a:schemeClr val="dk1"/>
                                         </a:solidFill>
-                                        <a:latin typeface="+mn-lt"/>
+                                        <a:latin typeface="Cambria Math" panose="02040503050406030204" pitchFamily="18" charset="0"/>
                                         <a:ea typeface="+mn-ea"/>
                                         <a:cs typeface="+mn-cs"/>
                                       </a:rPr>
@@ -13281,11 +13202,11 @@
                                   <m:fPr>
                                     <m:type m:val="lin"/>
                                     <m:ctrlPr>
-                                      <a:rPr lang="zh-CN" altLang="en-US" sz="1800" kern="1200" smtClean="0">
+                                      <a:rPr lang="zh-CN" altLang="en-US" sz="1800" i="1" kern="1200" smtClean="0">
                                         <a:solidFill>
                                           <a:schemeClr val="dk1"/>
                                         </a:solidFill>
-                                        <a:latin typeface="+mn-lt"/>
+                                        <a:latin typeface="Cambria Math" panose="02040503050406030204" pitchFamily="18" charset="0"/>
                                         <a:ea typeface="+mn-ea"/>
                                         <a:cs typeface="+mn-cs"/>
                                       </a:rPr>
@@ -13297,7 +13218,7 @@
                                         <a:solidFill>
                                           <a:schemeClr val="dk1"/>
                                         </a:solidFill>
-                                        <a:latin typeface="+mn-lt"/>
+                                        <a:latin typeface="Cambria Math" panose="02040503050406030204" pitchFamily="18" charset="0"/>
                                         <a:ea typeface="+mn-ea"/>
                                         <a:cs typeface="+mn-cs"/>
                                       </a:rPr>
@@ -13308,7 +13229,7 @@
                                         <a:solidFill>
                                           <a:schemeClr val="dk1"/>
                                         </a:solidFill>
-                                        <a:latin typeface="+mn-lt"/>
+                                        <a:latin typeface="Cambria Math" panose="02040503050406030204" pitchFamily="18" charset="0"/>
                                         <a:ea typeface="+mn-ea"/>
                                         <a:cs typeface="+mn-cs"/>
                                       </a:rPr>
@@ -13319,7 +13240,7 @@
                                         <a:solidFill>
                                           <a:schemeClr val="dk1"/>
                                         </a:solidFill>
-                                        <a:latin typeface="+mn-lt"/>
+                                        <a:latin typeface="Cambria Math" panose="02040503050406030204" pitchFamily="18" charset="0"/>
                                         <a:ea typeface="+mn-ea"/>
                                         <a:cs typeface="+mn-cs"/>
                                       </a:rPr>
@@ -13332,7 +13253,7 @@
                                         <a:solidFill>
                                           <a:schemeClr val="dk1"/>
                                         </a:solidFill>
-                                        <a:latin typeface="+mn-lt"/>
+                                        <a:latin typeface="Cambria Math" panose="02040503050406030204" pitchFamily="18" charset="0"/>
                                         <a:ea typeface="+mn-ea"/>
                                         <a:cs typeface="+mn-cs"/>
                                       </a:rPr>
@@ -13348,7 +13269,7 @@
                                     <a:solidFill>
                                       <a:schemeClr val="dk1"/>
                                     </a:solidFill>
-                                    <a:latin typeface="+mn-lt"/>
+                                    <a:latin typeface="Cambria Math" panose="02040503050406030204" pitchFamily="18" charset="0"/>
                                     <a:ea typeface="+mn-ea"/>
                                     <a:cs typeface="+mn-cs"/>
                                   </a:rPr>
@@ -13359,7 +13280,7 @@
                                     <a:solidFill>
                                       <a:schemeClr val="dk1"/>
                                     </a:solidFill>
-                                    <a:latin typeface="+mn-lt"/>
+                                    <a:latin typeface="Cambria Math" panose="02040503050406030204" pitchFamily="18" charset="0"/>
                                     <a:ea typeface="+mn-ea"/>
                                     <a:cs typeface="+mn-cs"/>
                                   </a:rPr>
@@ -13370,7 +13291,7 @@
                                     <a:solidFill>
                                       <a:schemeClr val="dk1"/>
                                     </a:solidFill>
-                                    <a:latin typeface="+mn-lt"/>
+                                    <a:latin typeface="Cambria Math" panose="02040503050406030204" pitchFamily="18" charset="0"/>
                                     <a:ea typeface="+mn-ea"/>
                                     <a:cs typeface="+mn-cs"/>
                                   </a:rPr>
@@ -13381,7 +13302,7 @@
                                     <a:solidFill>
                                       <a:schemeClr val="dk1"/>
                                     </a:solidFill>
-                                    <a:latin typeface="+mn-lt"/>
+                                    <a:latin typeface="Cambria Math" panose="02040503050406030204" pitchFamily="18" charset="0"/>
                                     <a:ea typeface="+mn-ea"/>
                                     <a:cs typeface="+mn-cs"/>
                                   </a:rPr>
@@ -13392,7 +13313,7 @@
                                     <a:solidFill>
                                       <a:schemeClr val="dk1"/>
                                     </a:solidFill>
-                                    <a:latin typeface="+mn-lt"/>
+                                    <a:latin typeface="Cambria Math" panose="02040503050406030204" pitchFamily="18" charset="0"/>
                                     <a:ea typeface="+mn-ea"/>
                                     <a:cs typeface="+mn-cs"/>
                                   </a:rPr>
@@ -13403,7 +13324,7 @@
                                     <a:solidFill>
                                       <a:schemeClr val="dk1"/>
                                     </a:solidFill>
-                                    <a:latin typeface="+mn-lt"/>
+                                    <a:latin typeface="Cambria Math" panose="02040503050406030204" pitchFamily="18" charset="0"/>
                                     <a:ea typeface="+mn-ea"/>
                                     <a:cs typeface="+mn-cs"/>
                                   </a:rPr>
@@ -13483,7 +13404,7 @@
                                     <a:solidFill>
                                       <a:schemeClr val="dk1"/>
                                     </a:solidFill>
-                                    <a:latin typeface="+mn-lt"/>
+                                    <a:latin typeface="Cambria Math" panose="02040503050406030204" pitchFamily="18" charset="0"/>
                                     <a:ea typeface="+mn-ea"/>
                                     <a:cs typeface="+mn-cs"/>
                                   </a:rPr>
@@ -13494,7 +13415,7 @@
                                     <a:solidFill>
                                       <a:schemeClr val="dk1"/>
                                     </a:solidFill>
-                                    <a:latin typeface="+mn-lt"/>
+                                    <a:latin typeface="Cambria Math" panose="02040503050406030204" pitchFamily="18" charset="0"/>
                                     <a:ea typeface="+mn-ea"/>
                                     <a:cs typeface="+mn-cs"/>
                                   </a:rPr>
@@ -13519,7 +13440,7 @@
                                     <a:solidFill>
                                       <a:schemeClr val="dk1"/>
                                     </a:solidFill>
-                                    <a:latin typeface="+mn-lt"/>
+                                    <a:latin typeface="Cambria Math" panose="02040503050406030204" pitchFamily="18" charset="0"/>
                                     <a:ea typeface="+mn-ea"/>
                                     <a:cs typeface="+mn-cs"/>
                                   </a:rPr>
@@ -13530,7 +13451,7 @@
                                     <a:solidFill>
                                       <a:schemeClr val="dk1"/>
                                     </a:solidFill>
-                                    <a:latin typeface="+mn-lt"/>
+                                    <a:latin typeface="Cambria Math" panose="02040503050406030204" pitchFamily="18" charset="0"/>
                                     <a:ea typeface="+mn-ea"/>
                                     <a:cs typeface="+mn-cs"/>
                                   </a:rPr>
@@ -13541,7 +13462,7 @@
                                     <a:solidFill>
                                       <a:schemeClr val="dk1"/>
                                     </a:solidFill>
-                                    <a:latin typeface="+mn-lt"/>
+                                    <a:latin typeface="Cambria Math" panose="02040503050406030204" pitchFamily="18" charset="0"/>
                                     <a:ea typeface="+mn-ea"/>
                                     <a:cs typeface="+mn-cs"/>
                                   </a:rPr>
@@ -13587,7 +13508,7 @@
                                     <a:solidFill>
                                       <a:schemeClr val="dk1"/>
                                     </a:solidFill>
-                                    <a:latin typeface="+mn-lt"/>
+                                    <a:latin typeface="Cambria Math" panose="02040503050406030204" pitchFamily="18" charset="0"/>
                                     <a:ea typeface="+mn-ea"/>
                                     <a:cs typeface="+mn-cs"/>
                                   </a:rPr>
@@ -13598,7 +13519,7 @@
                                     <a:solidFill>
                                       <a:schemeClr val="dk1"/>
                                     </a:solidFill>
-                                    <a:latin typeface="+mn-lt"/>
+                                    <a:latin typeface="Cambria Math" panose="02040503050406030204" pitchFamily="18" charset="0"/>
                                     <a:ea typeface="+mn-ea"/>
                                     <a:cs typeface="+mn-cs"/>
                                   </a:rPr>
@@ -13623,7 +13544,7 @@
                                     <a:solidFill>
                                       <a:schemeClr val="dk1"/>
                                     </a:solidFill>
-                                    <a:latin typeface="+mn-lt"/>
+                                    <a:latin typeface="Cambria Math" panose="02040503050406030204" pitchFamily="18" charset="0"/>
                                     <a:ea typeface="+mn-ea"/>
                                     <a:cs typeface="+mn-cs"/>
                                   </a:rPr>
@@ -13634,7 +13555,7 @@
                                     <a:solidFill>
                                       <a:schemeClr val="dk1"/>
                                     </a:solidFill>
-                                    <a:latin typeface="+mn-lt"/>
+                                    <a:latin typeface="Cambria Math" panose="02040503050406030204" pitchFamily="18" charset="0"/>
                                     <a:ea typeface="+mn-ea"/>
                                     <a:cs typeface="+mn-cs"/>
                                   </a:rPr>
@@ -13645,7 +13566,7 @@
                                     <a:solidFill>
                                       <a:schemeClr val="dk1"/>
                                     </a:solidFill>
-                                    <a:latin typeface="+mn-lt"/>
+                                    <a:latin typeface="Cambria Math" panose="02040503050406030204" pitchFamily="18" charset="0"/>
                                     <a:ea typeface="+mn-ea"/>
                                     <a:cs typeface="+mn-cs"/>
                                   </a:rPr>
@@ -13656,7 +13577,7 @@
                                     <a:solidFill>
                                       <a:schemeClr val="dk1"/>
                                     </a:solidFill>
-                                    <a:latin typeface="+mn-lt"/>
+                                    <a:latin typeface="Cambria Math" panose="02040503050406030204" pitchFamily="18" charset="0"/>
                                     <a:ea typeface="+mn-ea"/>
                                     <a:cs typeface="+mn-cs"/>
                                   </a:rPr>
@@ -13667,7 +13588,7 @@
                                     <a:solidFill>
                                       <a:schemeClr val="dk1"/>
                                     </a:solidFill>
-                                    <a:latin typeface="+mn-lt"/>
+                                    <a:latin typeface="Cambria Math" panose="02040503050406030204" pitchFamily="18" charset="0"/>
                                     <a:ea typeface="+mn-ea"/>
                                     <a:cs typeface="+mn-cs"/>
                                   </a:rPr>
@@ -13747,7 +13668,7 @@
                                     <a:solidFill>
                                       <a:schemeClr val="dk1"/>
                                     </a:solidFill>
-                                    <a:latin typeface="+mn-lt"/>
+                                    <a:latin typeface="Cambria Math" panose="02040503050406030204" pitchFamily="18" charset="0"/>
                                     <a:ea typeface="+mn-ea"/>
                                     <a:cs typeface="+mn-cs"/>
                                   </a:rPr>
@@ -13758,7 +13679,7 @@
                                     <a:solidFill>
                                       <a:schemeClr val="dk1"/>
                                     </a:solidFill>
-                                    <a:latin typeface="+mn-lt"/>
+                                    <a:latin typeface="Cambria Math" panose="02040503050406030204" pitchFamily="18" charset="0"/>
                                     <a:ea typeface="+mn-ea"/>
                                     <a:cs typeface="+mn-cs"/>
                                   </a:rPr>
@@ -13785,7 +13706,7 @@
                                         <a:solidFill>
                                           <a:schemeClr val="dk1"/>
                                         </a:solidFill>
-                                        <a:latin typeface="+mn-lt"/>
+                                        <a:latin typeface="Cambria Math" panose="02040503050406030204" pitchFamily="18" charset="0"/>
                                         <a:ea typeface="+mn-ea"/>
                                         <a:cs typeface="+mn-cs"/>
                                       </a:rPr>
@@ -13799,7 +13720,7 @@
                                             <a:solidFill>
                                               <a:schemeClr val="dk1"/>
                                             </a:solidFill>
-                                            <a:latin typeface="+mn-lt"/>
+                                            <a:latin typeface="Cambria Math" panose="02040503050406030204" pitchFamily="18" charset="0"/>
                                             <a:ea typeface="+mn-ea"/>
                                             <a:cs typeface="+mn-cs"/>
                                           </a:rPr>
@@ -13811,7 +13732,7 @@
                                             <a:solidFill>
                                               <a:schemeClr val="dk1"/>
                                             </a:solidFill>
-                                            <a:latin typeface="+mn-lt"/>
+                                            <a:latin typeface="Cambria Math" panose="02040503050406030204" pitchFamily="18" charset="0"/>
                                             <a:ea typeface="+mn-ea"/>
                                             <a:cs typeface="+mn-cs"/>
                                           </a:rPr>
@@ -13822,7 +13743,7 @@
                                             <a:solidFill>
                                               <a:schemeClr val="dk1"/>
                                             </a:solidFill>
-                                            <a:latin typeface="+mn-lt"/>
+                                            <a:latin typeface="Cambria Math" panose="02040503050406030204" pitchFamily="18" charset="0"/>
                                             <a:ea typeface="+mn-ea"/>
                                             <a:cs typeface="+mn-cs"/>
                                           </a:rPr>
@@ -13833,7 +13754,7 @@
                                             <a:solidFill>
                                               <a:schemeClr val="dk1"/>
                                             </a:solidFill>
-                                            <a:latin typeface="+mn-lt"/>
+                                            <a:latin typeface="Cambria Math" panose="02040503050406030204" pitchFamily="18" charset="0"/>
                                             <a:ea typeface="+mn-ea"/>
                                             <a:cs typeface="+mn-cs"/>
                                           </a:rPr>
@@ -13848,7 +13769,7 @@
                                         <a:solidFill>
                                           <a:schemeClr val="dk1"/>
                                         </a:solidFill>
-                                        <a:latin typeface="+mn-lt"/>
+                                        <a:latin typeface="Cambria Math" panose="02040503050406030204" pitchFamily="18" charset="0"/>
                                         <a:ea typeface="+mn-ea"/>
                                         <a:cs typeface="+mn-cs"/>
                                       </a:rPr>
@@ -13861,7 +13782,7 @@
                                     <a:solidFill>
                                       <a:schemeClr val="dk1"/>
                                     </a:solidFill>
-                                    <a:latin typeface="+mn-lt"/>
+                                    <a:latin typeface="Cambria Math" panose="02040503050406030204" pitchFamily="18" charset="0"/>
                                     <a:ea typeface="+mn-ea"/>
                                     <a:cs typeface="+mn-cs"/>
                                   </a:rPr>
@@ -13907,7 +13828,7 @@
                                     <a:solidFill>
                                       <a:schemeClr val="dk1"/>
                                     </a:solidFill>
-                                    <a:latin typeface="+mn-lt"/>
+                                    <a:latin typeface="Cambria Math" panose="02040503050406030204" pitchFamily="18" charset="0"/>
                                     <a:ea typeface="+mn-ea"/>
                                     <a:cs typeface="+mn-cs"/>
                                   </a:rPr>
@@ -13918,7 +13839,7 @@
                                     <a:solidFill>
                                       <a:schemeClr val="dk1"/>
                                     </a:solidFill>
-                                    <a:latin typeface="+mn-lt"/>
+                                    <a:latin typeface="Cambria Math" panose="02040503050406030204" pitchFamily="18" charset="0"/>
                                     <a:ea typeface="+mn-ea"/>
                                     <a:cs typeface="+mn-cs"/>
                                   </a:rPr>
@@ -13945,7 +13866,7 @@
                                         <a:solidFill>
                                           <a:schemeClr val="dk1"/>
                                         </a:solidFill>
-                                        <a:latin typeface="+mn-lt"/>
+                                        <a:latin typeface="Cambria Math" panose="02040503050406030204" pitchFamily="18" charset="0"/>
                                         <a:ea typeface="+mn-ea"/>
                                         <a:cs typeface="+mn-cs"/>
                                       </a:rPr>
@@ -13959,7 +13880,7 @@
                                             <a:solidFill>
                                               <a:schemeClr val="dk1"/>
                                             </a:solidFill>
-                                            <a:latin typeface="+mn-lt"/>
+                                            <a:latin typeface="Cambria Math" panose="02040503050406030204" pitchFamily="18" charset="0"/>
                                             <a:ea typeface="+mn-ea"/>
                                             <a:cs typeface="+mn-cs"/>
                                           </a:rPr>
@@ -13971,7 +13892,7 @@
                                             <a:solidFill>
                                               <a:schemeClr val="dk1"/>
                                             </a:solidFill>
-                                            <a:latin typeface="+mn-lt"/>
+                                            <a:latin typeface="Cambria Math" panose="02040503050406030204" pitchFamily="18" charset="0"/>
                                             <a:ea typeface="+mn-ea"/>
                                             <a:cs typeface="+mn-cs"/>
                                           </a:rPr>
@@ -13982,7 +13903,7 @@
                                             <a:solidFill>
                                               <a:schemeClr val="dk1"/>
                                             </a:solidFill>
-                                            <a:latin typeface="+mn-lt"/>
+                                            <a:latin typeface="Cambria Math" panose="02040503050406030204" pitchFamily="18" charset="0"/>
                                             <a:ea typeface="+mn-ea"/>
                                             <a:cs typeface="+mn-cs"/>
                                           </a:rPr>
@@ -13993,7 +13914,7 @@
                                             <a:solidFill>
                                               <a:schemeClr val="dk1"/>
                                             </a:solidFill>
-                                            <a:latin typeface="+mn-lt"/>
+                                            <a:latin typeface="Cambria Math" panose="02040503050406030204" pitchFamily="18" charset="0"/>
                                             <a:ea typeface="+mn-ea"/>
                                             <a:cs typeface="+mn-cs"/>
                                           </a:rPr>
@@ -14008,7 +13929,7 @@
                                         <a:solidFill>
                                           <a:schemeClr val="dk1"/>
                                         </a:solidFill>
-                                        <a:latin typeface="+mn-lt"/>
+                                        <a:latin typeface="Cambria Math" panose="02040503050406030204" pitchFamily="18" charset="0"/>
                                         <a:ea typeface="+mn-ea"/>
                                         <a:cs typeface="+mn-cs"/>
                                       </a:rPr>
@@ -14021,7 +13942,7 @@
                                     <a:solidFill>
                                       <a:schemeClr val="dk1"/>
                                     </a:solidFill>
-                                    <a:latin typeface="+mn-lt"/>
+                                    <a:latin typeface="Cambria Math" panose="02040503050406030204" pitchFamily="18" charset="0"/>
                                     <a:ea typeface="+mn-ea"/>
                                     <a:cs typeface="+mn-cs"/>
                                   </a:rPr>
@@ -14032,7 +13953,7 @@
                                     <a:solidFill>
                                       <a:schemeClr val="dk1"/>
                                     </a:solidFill>
-                                    <a:latin typeface="+mn-lt"/>
+                                    <a:latin typeface="Cambria Math" panose="02040503050406030204" pitchFamily="18" charset="0"/>
                                     <a:ea typeface="+mn-ea"/>
                                     <a:cs typeface="+mn-cs"/>
                                   </a:rPr>
@@ -14043,7 +13964,7 @@
                                     <a:solidFill>
                                       <a:schemeClr val="dk1"/>
                                     </a:solidFill>
-                                    <a:latin typeface="+mn-lt"/>
+                                    <a:latin typeface="Cambria Math" panose="02040503050406030204" pitchFamily="18" charset="0"/>
                                     <a:ea typeface="+mn-ea"/>
                                     <a:cs typeface="+mn-cs"/>
                                   </a:rPr>
@@ -14068,7 +13989,7 @@
             </a:graphic>
           </p:graphicFrame>
         </mc:Choice>
-        <mc:Fallback>
+        <mc:Fallback xmlns="">
           <p:graphicFrame>
             <p:nvGraphicFramePr>
               <p:cNvPr id="78" name="表格 77"/>
@@ -14555,7 +14476,7 @@
           <a:graphicData uri="http://schemas.openxmlformats.org/presentationml/2006/ole">
             <mc:AlternateContent xmlns:mc="http://schemas.openxmlformats.org/markup-compatibility/2006">
               <mc:Choice xmlns:v="urn:schemas-microsoft-com:vml" Requires="v">
-                <p:oleObj spid="_x0000_s25709" name="Equation" r:id="rId8" imgW="444307" imgH="393529" progId="Equation.DSMT4">
+                <p:oleObj spid="_x0000_s25814" name="Equation" r:id="rId8" imgW="444307" imgH="393529" progId="Equation.DSMT4">
                   <p:embed/>
                 </p:oleObj>
               </mc:Choice>
@@ -14622,7 +14543,7 @@
           <a:graphicData uri="http://schemas.openxmlformats.org/presentationml/2006/ole">
             <mc:AlternateContent xmlns:mc="http://schemas.openxmlformats.org/markup-compatibility/2006">
               <mc:Choice xmlns:v="urn:schemas-microsoft-com:vml" Requires="v">
-                <p:oleObj spid="_x0000_s25710" name="Equation" r:id="rId10" imgW="1117115" imgH="253890" progId="Equation.DSMT4">
+                <p:oleObj spid="_x0000_s25815" name="Equation" r:id="rId10" imgW="1117115" imgH="253890" progId="Equation.DSMT4">
                   <p:embed/>
                 </p:oleObj>
               </mc:Choice>
@@ -14689,7 +14610,7 @@
           <a:graphicData uri="http://schemas.openxmlformats.org/presentationml/2006/ole">
             <mc:AlternateContent xmlns:mc="http://schemas.openxmlformats.org/markup-compatibility/2006">
               <mc:Choice xmlns:v="urn:schemas-microsoft-com:vml" Requires="v">
-                <p:oleObj spid="_x0000_s25711" name="Equation" r:id="rId12" imgW="1028254" imgH="253890" progId="Equation.DSMT4">
+                <p:oleObj spid="_x0000_s25816" name="Equation" r:id="rId12" imgW="1028254" imgH="253890" progId="Equation.DSMT4">
                   <p:embed/>
                 </p:oleObj>
               </mc:Choice>
@@ -16397,7 +16318,7 @@
           <a:graphicData uri="http://schemas.openxmlformats.org/presentationml/2006/ole">
             <mc:AlternateContent xmlns:mc="http://schemas.openxmlformats.org/markup-compatibility/2006">
               <mc:Choice xmlns:v="urn:schemas-microsoft-com:vml" Requires="v">
-                <p:oleObj spid="_x0000_s26662" name="Equation" r:id="rId3" imgW="2869920" imgH="1396800" progId="Equation.DSMT4">
+                <p:oleObj spid="_x0000_s26704" name="Equation" r:id="rId3" imgW="2869920" imgH="1396800" progId="Equation.DSMT4">
                   <p:embed/>
                 </p:oleObj>
               </mc:Choice>
@@ -16458,7 +16379,7 @@
           <a:graphicData uri="http://schemas.openxmlformats.org/presentationml/2006/ole">
             <mc:AlternateContent xmlns:mc="http://schemas.openxmlformats.org/markup-compatibility/2006">
               <mc:Choice xmlns:v="urn:schemas-microsoft-com:vml" Requires="v">
-                <p:oleObj spid="_x0000_s26663" name="Equation" r:id="rId5" imgW="355320" imgH="228600" progId="Equation.DSMT4">
+                <p:oleObj spid="_x0000_s26705" name="Equation" r:id="rId5" imgW="355320" imgH="228600" progId="Equation.DSMT4">
                   <p:embed/>
                 </p:oleObj>
               </mc:Choice>
@@ -18140,7 +18061,7 @@
           <a:graphicData uri="http://schemas.openxmlformats.org/presentationml/2006/ole">
             <mc:AlternateContent xmlns:mc="http://schemas.openxmlformats.org/markup-compatibility/2006">
               <mc:Choice xmlns:v="urn:schemas-microsoft-com:vml" Requires="v">
-                <p:oleObj spid="_x0000_s27683" name="Equation" r:id="rId3" imgW="2717800" imgH="228600" progId="Equation.DSMT4">
+                <p:oleObj spid="_x0000_s27725" name="Equation" r:id="rId3" imgW="2717800" imgH="228600" progId="Equation.DSMT4">
                   <p:embed/>
                 </p:oleObj>
               </mc:Choice>
@@ -18207,7 +18128,7 @@
           <a:graphicData uri="http://schemas.openxmlformats.org/presentationml/2006/ole">
             <mc:AlternateContent xmlns:mc="http://schemas.openxmlformats.org/markup-compatibility/2006">
               <mc:Choice xmlns:v="urn:schemas-microsoft-com:vml" Requires="v">
-                <p:oleObj spid="_x0000_s27684" name="Equation" r:id="rId5" imgW="3556000" imgH="1498600" progId="Equation.DSMT4">
+                <p:oleObj spid="_x0000_s27726" name="Equation" r:id="rId5" imgW="3556000" imgH="1498600" progId="Equation.DSMT4">
                   <p:embed/>
                 </p:oleObj>
               </mc:Choice>
@@ -18722,6 +18643,63 @@
           </a:p>
         </p:txBody>
       </p:sp>
+      <p:graphicFrame>
+        <p:nvGraphicFramePr>
+          <p:cNvPr id="3" name="对象 2"/>
+          <p:cNvGraphicFramePr>
+            <a:graphicFrameLocks noChangeAspect="1"/>
+          </p:cNvGraphicFramePr>
+          <p:nvPr>
+            <p:extLst>
+              <p:ext uri="{D42A27DB-BD31-4B8C-83A1-F6EECF244321}">
+                <p14:modId xmlns:p14="http://schemas.microsoft.com/office/powerpoint/2010/main" val="426046021"/>
+              </p:ext>
+            </p:extLst>
+          </p:nvPr>
+        </p:nvGraphicFramePr>
+        <p:xfrm>
+          <a:off x="920211" y="2481592"/>
+          <a:ext cx="5715000" cy="2428875"/>
+        </p:xfrm>
+        <a:graphic>
+          <a:graphicData uri="http://schemas.openxmlformats.org/presentationml/2006/ole">
+            <mc:AlternateContent xmlns:mc="http://schemas.openxmlformats.org/markup-compatibility/2006">
+              <mc:Choice xmlns:v="urn:schemas-microsoft-com:vml" Requires="v">
+                <p:oleObj spid="_x0000_s30742" name="Visio" r:id="rId4" imgW="5714932" imgH="2428920" progId="Visio.Drawing.15">
+                  <p:embed/>
+                </p:oleObj>
+              </mc:Choice>
+              <mc:Fallback>
+                <p:oleObj name="Visio" r:id="rId4" imgW="5714932" imgH="2428920" progId="Visio.Drawing.15">
+                  <p:embed/>
+                  <p:pic>
+                    <p:nvPicPr>
+                      <p:cNvPr id="0" name=""/>
+                      <p:cNvPicPr/>
+                      <p:nvPr/>
+                    </p:nvPicPr>
+                    <p:blipFill>
+                      <a:blip r:embed="rId5"/>
+                      <a:stretch>
+                        <a:fillRect/>
+                      </a:stretch>
+                    </p:blipFill>
+                    <p:spPr>
+                      <a:xfrm>
+                        <a:off x="920211" y="2481592"/>
+                        <a:ext cx="5715000" cy="2428875"/>
+                      </a:xfrm>
+                      <a:prstGeom prst="rect">
+                        <a:avLst/>
+                      </a:prstGeom>
+                    </p:spPr>
+                  </p:pic>
+                </p:oleObj>
+              </mc:Fallback>
+            </mc:AlternateContent>
+          </a:graphicData>
+        </a:graphic>
+      </p:graphicFrame>
     </p:spTree>
     <p:extLst>
       <p:ext uri="{BB962C8B-B14F-4D97-AF65-F5344CB8AC3E}">

--- a/NO1/NO1.pptx
+++ b/NO1/NO1.pptx
@@ -5,7 +5,7 @@
     <p:sldMasterId id="2147483660" r:id="rId1"/>
   </p:sldMasterIdLst>
   <p:notesMasterIdLst>
-    <p:notesMasterId r:id="rId16"/>
+    <p:notesMasterId r:id="rId18"/>
   </p:notesMasterIdLst>
   <p:sldIdLst>
     <p:sldId id="257" r:id="rId2"/>
@@ -22,6 +22,8 @@
     <p:sldId id="294" r:id="rId13"/>
     <p:sldId id="296" r:id="rId14"/>
     <p:sldId id="297" r:id="rId15"/>
+    <p:sldId id="301" r:id="rId16"/>
+    <p:sldId id="302" r:id="rId17"/>
   </p:sldIdLst>
   <p:sldSz cx="9144000" cy="6858000" type="screen4x3"/>
   <p:notesSz cx="6858000" cy="9144000"/>
@@ -210,7 +212,7 @@
           <a:p>
             <a:fld id="{8BF6706A-530E-468D-9AC5-38D0C03CB835}" type="datetimeFigureOut">
               <a:rPr lang="zh-CN" altLang="en-US" smtClean="0"/>
-              <a:t>2016/6/22</a:t>
+              <a:t>2016/6/23</a:t>
             </a:fld>
             <a:endParaRPr lang="zh-CN" altLang="en-US"/>
           </a:p>
@@ -1028,7 +1030,7 @@
           <a:p>
             <a:fld id="{D4BA5219-96DE-4C60-8FCE-EDBFE1B99FF2}" type="datetimeFigureOut">
               <a:rPr lang="zh-CN" altLang="en-US" smtClean="0"/>
-              <a:t>2016/6/22</a:t>
+              <a:t>2016/6/23</a:t>
             </a:fld>
             <a:endParaRPr lang="zh-CN" altLang="en-US"/>
           </a:p>
@@ -1198,7 +1200,7 @@
           <a:p>
             <a:fld id="{D4BA5219-96DE-4C60-8FCE-EDBFE1B99FF2}" type="datetimeFigureOut">
               <a:rPr lang="zh-CN" altLang="en-US" smtClean="0"/>
-              <a:t>2016/6/22</a:t>
+              <a:t>2016/6/23</a:t>
             </a:fld>
             <a:endParaRPr lang="zh-CN" altLang="en-US"/>
           </a:p>
@@ -1378,7 +1380,7 @@
           <a:p>
             <a:fld id="{D4BA5219-96DE-4C60-8FCE-EDBFE1B99FF2}" type="datetimeFigureOut">
               <a:rPr lang="zh-CN" altLang="en-US" smtClean="0"/>
-              <a:t>2016/6/22</a:t>
+              <a:t>2016/6/23</a:t>
             </a:fld>
             <a:endParaRPr lang="zh-CN" altLang="en-US"/>
           </a:p>
@@ -1548,7 +1550,7 @@
           <a:p>
             <a:fld id="{D4BA5219-96DE-4C60-8FCE-EDBFE1B99FF2}" type="datetimeFigureOut">
               <a:rPr lang="zh-CN" altLang="en-US" smtClean="0"/>
-              <a:t>2016/6/22</a:t>
+              <a:t>2016/6/23</a:t>
             </a:fld>
             <a:endParaRPr lang="zh-CN" altLang="en-US"/>
           </a:p>
@@ -1792,7 +1794,7 @@
           <a:p>
             <a:fld id="{D4BA5219-96DE-4C60-8FCE-EDBFE1B99FF2}" type="datetimeFigureOut">
               <a:rPr lang="zh-CN" altLang="en-US" smtClean="0"/>
-              <a:t>2016/6/22</a:t>
+              <a:t>2016/6/23</a:t>
             </a:fld>
             <a:endParaRPr lang="zh-CN" altLang="en-US"/>
           </a:p>
@@ -2024,7 +2026,7 @@
           <a:p>
             <a:fld id="{D4BA5219-96DE-4C60-8FCE-EDBFE1B99FF2}" type="datetimeFigureOut">
               <a:rPr lang="zh-CN" altLang="en-US" smtClean="0"/>
-              <a:t>2016/6/22</a:t>
+              <a:t>2016/6/23</a:t>
             </a:fld>
             <a:endParaRPr lang="zh-CN" altLang="en-US"/>
           </a:p>
@@ -2391,7 +2393,7 @@
           <a:p>
             <a:fld id="{D4BA5219-96DE-4C60-8FCE-EDBFE1B99FF2}" type="datetimeFigureOut">
               <a:rPr lang="zh-CN" altLang="en-US" smtClean="0"/>
-              <a:t>2016/6/22</a:t>
+              <a:t>2016/6/23</a:t>
             </a:fld>
             <a:endParaRPr lang="zh-CN" altLang="en-US"/>
           </a:p>
@@ -2509,7 +2511,7 @@
           <a:p>
             <a:fld id="{D4BA5219-96DE-4C60-8FCE-EDBFE1B99FF2}" type="datetimeFigureOut">
               <a:rPr lang="zh-CN" altLang="en-US" smtClean="0"/>
-              <a:t>2016/6/22</a:t>
+              <a:t>2016/6/23</a:t>
             </a:fld>
             <a:endParaRPr lang="zh-CN" altLang="en-US"/>
           </a:p>
@@ -2604,7 +2606,7 @@
           <a:p>
             <a:fld id="{D4BA5219-96DE-4C60-8FCE-EDBFE1B99FF2}" type="datetimeFigureOut">
               <a:rPr lang="zh-CN" altLang="en-US" smtClean="0"/>
-              <a:t>2016/6/22</a:t>
+              <a:t>2016/6/23</a:t>
             </a:fld>
             <a:endParaRPr lang="zh-CN" altLang="en-US"/>
           </a:p>
@@ -2881,7 +2883,7 @@
           <a:p>
             <a:fld id="{D4BA5219-96DE-4C60-8FCE-EDBFE1B99FF2}" type="datetimeFigureOut">
               <a:rPr lang="zh-CN" altLang="en-US" smtClean="0"/>
-              <a:t>2016/6/22</a:t>
+              <a:t>2016/6/23</a:t>
             </a:fld>
             <a:endParaRPr lang="zh-CN" altLang="en-US"/>
           </a:p>
@@ -3138,7 +3140,7 @@
           <a:p>
             <a:fld id="{D4BA5219-96DE-4C60-8FCE-EDBFE1B99FF2}" type="datetimeFigureOut">
               <a:rPr lang="zh-CN" altLang="en-US" smtClean="0"/>
-              <a:t>2016/6/22</a:t>
+              <a:t>2016/6/23</a:t>
             </a:fld>
             <a:endParaRPr lang="zh-CN" altLang="en-US"/>
           </a:p>
@@ -3351,7 +3353,7 @@
           <a:p>
             <a:fld id="{D4BA5219-96DE-4C60-8FCE-EDBFE1B99FF2}" type="datetimeFigureOut">
               <a:rPr lang="zh-CN" altLang="en-US" smtClean="0"/>
-              <a:t>2016/6/22</a:t>
+              <a:t>2016/6/23</a:t>
             </a:fld>
             <a:endParaRPr lang="zh-CN" altLang="en-US"/>
           </a:p>
@@ -5520,15 +5522,7 @@
                 <a:ea typeface="华文细黑" panose="02010600040101010101" pitchFamily="2" charset="-122"/>
                 <a:cs typeface="Times New Roman" panose="02020603050405020304" pitchFamily="18" charset="0"/>
               </a:rPr>
-              <a:t>参考老师给的程序，入口除了给定速度外，入口给定湍动能为动能</a:t>
-            </a:r>
-            <a:r>
-              <a:rPr lang="zh-CN" altLang="en-US" sz="2000" dirty="0" smtClean="0">
-                <a:latin typeface="Times New Roman" panose="02020603050405020304" pitchFamily="18" charset="0"/>
-                <a:ea typeface="华文细黑" panose="02010600040101010101" pitchFamily="2" charset="-122"/>
-                <a:cs typeface="Times New Roman" panose="02020603050405020304" pitchFamily="18" charset="0"/>
-              </a:rPr>
-              <a:t>的</a:t>
+              <a:t>参考老师给的程序，入口除了给定速度外，入口给定湍动能为动能的</a:t>
             </a:r>
             <a:r>
               <a:rPr lang="en-US" altLang="zh-CN" sz="2000" dirty="0" smtClean="0">
@@ -5544,15 +5538,7 @@
                 <a:ea typeface="华文细黑" panose="02010600040101010101" pitchFamily="2" charset="-122"/>
                 <a:cs typeface="Times New Roman" panose="02020603050405020304" pitchFamily="18" charset="0"/>
               </a:rPr>
-              <a:t>，耗散</a:t>
-            </a:r>
-            <a:r>
-              <a:rPr lang="zh-CN" altLang="en-US" sz="2000" dirty="0" smtClean="0">
-                <a:latin typeface="Times New Roman" panose="02020603050405020304" pitchFamily="18" charset="0"/>
-                <a:ea typeface="华文细黑" panose="02010600040101010101" pitchFamily="2" charset="-122"/>
-                <a:cs typeface="Times New Roman" panose="02020603050405020304" pitchFamily="18" charset="0"/>
-              </a:rPr>
-              <a:t>率取为</a:t>
+              <a:t>，耗散率取为</a:t>
             </a:r>
             <a:r>
               <a:rPr lang="en-US" altLang="zh-CN" sz="2000" dirty="0" smtClean="0">
@@ -5868,7 +5854,7 @@
           <a:graphicData uri="http://schemas.openxmlformats.org/presentationml/2006/ole">
             <mc:AlternateContent xmlns:mc="http://schemas.openxmlformats.org/markup-compatibility/2006">
               <mc:Choice xmlns:v="urn:schemas-microsoft-com:vml" Requires="v">
-                <p:oleObj spid="_x0000_s24648" name="Visio" r:id="rId4" imgW="4067122" imgH="4410180" progId="Visio.Drawing.15">
+                <p:oleObj spid="_x0000_s24662" name="Visio" r:id="rId4" imgW="4067122" imgH="4410180" progId="Visio.Drawing.15">
                   <p:embed/>
                 </p:oleObj>
               </mc:Choice>
@@ -6362,7 +6348,39 @@
                 <a:ea typeface="华文细黑" panose="02010600040101010101" pitchFamily="2" charset="-122"/>
                 <a:cs typeface="Times New Roman" panose="02020603050405020304" pitchFamily="18" charset="0"/>
               </a:rPr>
-              <a:t>方向入口速度为）：</a:t>
+              <a:t>方向入口速度</a:t>
+            </a:r>
+            <a:r>
+              <a:rPr lang="zh-CN" altLang="en-US" sz="2000" dirty="0" smtClean="0">
+                <a:latin typeface="Times New Roman" panose="02020603050405020304" pitchFamily="18" charset="0"/>
+                <a:ea typeface="华文细黑" panose="02010600040101010101" pitchFamily="2" charset="-122"/>
+                <a:cs typeface="Times New Roman" panose="02020603050405020304" pitchFamily="18" charset="0"/>
+              </a:rPr>
+              <a:t>为</a:t>
+            </a:r>
+            <a:r>
+              <a:rPr lang="en-US" altLang="zh-CN" sz="2000" dirty="0" smtClean="0">
+                <a:latin typeface="Times New Roman" panose="02020603050405020304" pitchFamily="18" charset="0"/>
+                <a:ea typeface="华文细黑" panose="02010600040101010101" pitchFamily="2" charset="-122"/>
+                <a:cs typeface="Times New Roman" panose="02020603050405020304" pitchFamily="18" charset="0"/>
+              </a:rPr>
+              <a:t>0.002</a:t>
+            </a:r>
+            <a:r>
+              <a:rPr lang="zh-CN" altLang="en-US" sz="2000" dirty="0" smtClean="0">
+                <a:latin typeface="Times New Roman" panose="02020603050405020304" pitchFamily="18" charset="0"/>
+                <a:ea typeface="华文细黑" panose="02010600040101010101" pitchFamily="2" charset="-122"/>
+                <a:cs typeface="Times New Roman" panose="02020603050405020304" pitchFamily="18" charset="0"/>
+              </a:rPr>
+              <a:t>）</a:t>
+            </a:r>
+            <a:r>
+              <a:rPr lang="zh-CN" altLang="en-US" sz="2000" dirty="0" smtClean="0">
+                <a:latin typeface="Times New Roman" panose="02020603050405020304" pitchFamily="18" charset="0"/>
+                <a:ea typeface="华文细黑" panose="02010600040101010101" pitchFamily="2" charset="-122"/>
+                <a:cs typeface="Times New Roman" panose="02020603050405020304" pitchFamily="18" charset="0"/>
+              </a:rPr>
+              <a:t>：</a:t>
             </a:r>
             <a:endParaRPr kumimoji="0" lang="zh-CN" altLang="en-US" sz="1800" b="0" i="0" u="none" strike="noStrike" cap="none" normalizeH="0" baseline="0" dirty="0" smtClean="0">
               <a:ln>
@@ -6622,7 +6640,7 @@
           <a:graphicData uri="http://schemas.openxmlformats.org/presentationml/2006/ole">
             <mc:AlternateContent xmlns:mc="http://schemas.openxmlformats.org/markup-compatibility/2006">
               <mc:Choice xmlns:v="urn:schemas-microsoft-com:vml" Requires="v">
-                <p:oleObj spid="_x0000_s29726" name="Equation" r:id="rId3" imgW="901309" imgH="469696" progId="Equation.DSMT4">
+                <p:oleObj spid="_x0000_s29740" name="Equation" r:id="rId3" imgW="901309" imgH="469696" progId="Equation.DSMT4">
                   <p:embed/>
                 </p:oleObj>
               </mc:Choice>
@@ -7082,7 +7100,240 @@
         </p:nvSpPr>
         <p:spPr bwMode="auto">
           <a:xfrm>
-            <a:off x="691199" y="4808111"/>
+            <a:off x="516474" y="4862702"/>
+            <a:ext cx="8289028" cy="400110"/>
+          </a:xfrm>
+          <a:prstGeom prst="rect">
+            <a:avLst/>
+          </a:prstGeom>
+          <a:noFill/>
+          <a:ln>
+            <a:noFill/>
+          </a:ln>
+          <a:effectLst/>
+          <a:extLst>
+            <a:ext uri="{909E8E84-426E-40DD-AFC4-6F175D3DCCD1}">
+              <a14:hiddenFill xmlns:a14="http://schemas.microsoft.com/office/drawing/2010/main">
+                <a:solidFill>
+                  <a:schemeClr val="accent1"/>
+                </a:solidFill>
+              </a14:hiddenFill>
+            </a:ext>
+            <a:ext uri="{91240B29-F687-4F45-9708-019B960494DF}">
+              <a14:hiddenLine xmlns:a14="http://schemas.microsoft.com/office/drawing/2010/main" w="9525">
+                <a:solidFill>
+                  <a:schemeClr val="tx1"/>
+                </a:solidFill>
+                <a:miter lim="800000"/>
+                <a:headEnd/>
+                <a:tailEnd/>
+              </a14:hiddenLine>
+            </a:ext>
+            <a:ext uri="{AF507438-7753-43E0-B8FC-AC1667EBCBE1}">
+              <a14:hiddenEffects xmlns:a14="http://schemas.microsoft.com/office/drawing/2010/main">
+                <a:effectLst>
+                  <a:outerShdw dist="35921" dir="2700000" algn="ctr" rotWithShape="0">
+                    <a:schemeClr val="bg2"/>
+                  </a:outerShdw>
+                </a:effectLst>
+              </a14:hiddenEffects>
+            </a:ext>
+          </a:extLst>
+        </p:spPr>
+        <p:txBody>
+          <a:bodyPr vert="horz" wrap="square" lIns="91440" tIns="45720" rIns="91440" bIns="45720" numCol="1" anchor="ctr" anchorCtr="0" compatLnSpc="1">
+            <a:prstTxWarp prst="textNoShape">
+              <a:avLst/>
+            </a:prstTxWarp>
+            <a:spAutoFit/>
+          </a:bodyPr>
+          <a:lstStyle/>
+          <a:p>
+            <a:pPr lvl="0" eaLnBrk="0" fontAlgn="base" hangingPunct="0">
+              <a:spcBef>
+                <a:spcPct val="0"/>
+              </a:spcBef>
+              <a:spcAft>
+                <a:spcPct val="0"/>
+              </a:spcAft>
+            </a:pPr>
+            <a:r>
+              <a:rPr lang="zh-CN" altLang="en-US" sz="2000" dirty="0" smtClean="0">
+                <a:latin typeface="Times New Roman" panose="02020603050405020304" pitchFamily="18" charset="0"/>
+                <a:ea typeface="华文细黑" panose="02010600040101010101" pitchFamily="2" charset="-122"/>
+                <a:cs typeface="Times New Roman" panose="02020603050405020304" pitchFamily="18" charset="0"/>
+              </a:rPr>
+              <a:t>结果看出，在相同条件下，流动变为湍流后边界层</a:t>
+            </a:r>
+            <a:r>
+              <a:rPr lang="zh-CN" altLang="en-US" sz="2000" dirty="0" smtClean="0">
+                <a:latin typeface="Times New Roman" panose="02020603050405020304" pitchFamily="18" charset="0"/>
+                <a:ea typeface="华文细黑" panose="02010600040101010101" pitchFamily="2" charset="-122"/>
+                <a:cs typeface="Times New Roman" panose="02020603050405020304" pitchFamily="18" charset="0"/>
+              </a:rPr>
+              <a:t>变</a:t>
+            </a:r>
+            <a:r>
+              <a:rPr lang="zh-CN" altLang="en-US" sz="2000" dirty="0" smtClean="0">
+                <a:latin typeface="Times New Roman" panose="02020603050405020304" pitchFamily="18" charset="0"/>
+                <a:ea typeface="华文细黑" panose="02010600040101010101" pitchFamily="2" charset="-122"/>
+                <a:cs typeface="Times New Roman" panose="02020603050405020304" pitchFamily="18" charset="0"/>
+              </a:rPr>
+              <a:t>厚，与理论一致</a:t>
+            </a:r>
+            <a:endParaRPr kumimoji="0" lang="zh-CN" altLang="en-US" sz="1800" b="0" i="0" u="none" strike="noStrike" cap="none" normalizeH="0" baseline="0" dirty="0" smtClean="0">
+              <a:ln>
+                <a:noFill/>
+              </a:ln>
+              <a:solidFill>
+                <a:schemeClr val="tx1"/>
+              </a:solidFill>
+              <a:effectLst/>
+              <a:latin typeface="Arial" panose="020B0604020202020204" pitchFamily="34" charset="0"/>
+            </a:endParaRPr>
+          </a:p>
+        </p:txBody>
+      </p:sp>
+    </p:spTree>
+    <p:extLst>
+      <p:ext uri="{BB962C8B-B14F-4D97-AF65-F5344CB8AC3E}">
+        <p14:creationId xmlns:p14="http://schemas.microsoft.com/office/powerpoint/2010/main" val="277776860"/>
+      </p:ext>
+    </p:extLst>
+  </p:cSld>
+  <p:clrMapOvr>
+    <a:masterClrMapping/>
+  </p:clrMapOvr>
+</p:sld>
+</file>
+
+<file path=ppt/slides/slide15.xml><?xml version="1.0" encoding="utf-8"?>
+<p:sld xmlns:a="http://schemas.openxmlformats.org/drawingml/2006/main" xmlns:r="http://schemas.openxmlformats.org/officeDocument/2006/relationships" xmlns:p="http://schemas.openxmlformats.org/presentationml/2006/main">
+  <p:cSld>
+    <p:spTree>
+      <p:nvGrpSpPr>
+        <p:cNvPr id="1" name=""/>
+        <p:cNvGrpSpPr/>
+        <p:nvPr/>
+      </p:nvGrpSpPr>
+      <p:grpSpPr>
+        <a:xfrm>
+          <a:off x="0" y="0"/>
+          <a:ext cx="0" cy="0"/>
+          <a:chOff x="0" y="0"/>
+          <a:chExt cx="0" cy="0"/>
+        </a:xfrm>
+      </p:grpSpPr>
+      <p:pic>
+        <p:nvPicPr>
+          <p:cNvPr id="12" name="图片 11"/>
+          <p:cNvPicPr>
+            <a:picLocks noChangeAspect="1"/>
+          </p:cNvPicPr>
+          <p:nvPr/>
+        </p:nvPicPr>
+        <p:blipFill rotWithShape="1">
+          <a:blip r:embed="rId2">
+            <a:extLst>
+              <a:ext uri="{28A0092B-C50C-407E-A947-70E740481C1C}">
+                <a14:useLocalDpi xmlns:a14="http://schemas.microsoft.com/office/drawing/2010/main" val="0"/>
+              </a:ext>
+            </a:extLst>
+          </a:blip>
+          <a:srcRect l="8712" t="33749" r="6917" b="38134"/>
+          <a:stretch/>
+        </p:blipFill>
+        <p:spPr>
+          <a:xfrm>
+            <a:off x="432811" y="661821"/>
+            <a:ext cx="7055894" cy="1705970"/>
+          </a:xfrm>
+          <a:prstGeom prst="rect">
+            <a:avLst/>
+          </a:prstGeom>
+        </p:spPr>
+      </p:pic>
+      <p:pic>
+        <p:nvPicPr>
+          <p:cNvPr id="5" name="图片 4"/>
+          <p:cNvPicPr>
+            <a:picLocks noChangeAspect="1"/>
+          </p:cNvPicPr>
+          <p:nvPr/>
+        </p:nvPicPr>
+        <p:blipFill rotWithShape="1">
+          <a:blip r:embed="rId3">
+            <a:extLst>
+              <a:ext uri="{28A0092B-C50C-407E-A947-70E740481C1C}">
+                <a14:useLocalDpi xmlns:a14="http://schemas.microsoft.com/office/drawing/2010/main" val="0"/>
+              </a:ext>
+            </a:extLst>
+          </a:blip>
+          <a:srcRect l="9554" t="34456" r="7164" b="39046"/>
+          <a:stretch/>
+        </p:blipFill>
+        <p:spPr>
+          <a:xfrm>
+            <a:off x="454723" y="2508184"/>
+            <a:ext cx="7012071" cy="1549156"/>
+          </a:xfrm>
+          <a:prstGeom prst="rect">
+            <a:avLst/>
+          </a:prstGeom>
+        </p:spPr>
+      </p:pic>
+      <p:sp>
+        <p:nvSpPr>
+          <p:cNvPr id="2" name="标题 1"/>
+          <p:cNvSpPr>
+            <a:spLocks noGrp="1"/>
+          </p:cNvSpPr>
+          <p:nvPr>
+            <p:ph type="title"/>
+          </p:nvPr>
+        </p:nvSpPr>
+        <p:spPr>
+          <a:xfrm>
+            <a:off x="393645" y="-345778"/>
+            <a:ext cx="5133699" cy="1325563"/>
+          </a:xfrm>
+        </p:spPr>
+        <p:txBody>
+          <a:bodyPr/>
+          <a:lstStyle/>
+          <a:p>
+            <a:r>
+              <a:rPr lang="zh-CN" altLang="en-US" dirty="0" smtClean="0">
+                <a:latin typeface="华文细黑" panose="02010600040101010101" pitchFamily="2" charset="-122"/>
+                <a:ea typeface="华文细黑" panose="02010600040101010101" pitchFamily="2" charset="-122"/>
+              </a:rPr>
+              <a:t>不同格式计算</a:t>
+            </a:r>
+            <a:r>
+              <a:rPr lang="zh-CN" altLang="en-US" dirty="0" smtClean="0">
+                <a:latin typeface="华文细黑" panose="02010600040101010101" pitchFamily="2" charset="-122"/>
+                <a:ea typeface="华文细黑" panose="02010600040101010101" pitchFamily="2" charset="-122"/>
+              </a:rPr>
+              <a:t>结果</a:t>
+            </a:r>
+            <a:endParaRPr lang="zh-CN" altLang="en-US" dirty="0">
+              <a:latin typeface="华文细黑" panose="02010600040101010101" pitchFamily="2" charset="-122"/>
+              <a:ea typeface="华文细黑" panose="02010600040101010101" pitchFamily="2" charset="-122"/>
+            </a:endParaRPr>
+          </a:p>
+        </p:txBody>
+      </p:sp>
+      <p:sp>
+        <p:nvSpPr>
+          <p:cNvPr id="7" name="Rectangle 6"/>
+          <p:cNvSpPr>
+            <a:spLocks noChangeArrowheads="1"/>
+          </p:cNvSpPr>
+          <p:nvPr/>
+        </p:nvSpPr>
+        <p:spPr bwMode="auto">
+          <a:xfrm>
+            <a:off x="393645" y="536508"/>
             <a:ext cx="6950320" cy="400110"/>
           </a:xfrm>
           <a:prstGeom prst="rect">
@@ -7145,7 +7396,7 @@
                 <a:ea typeface="华文细黑" panose="02010600040101010101" pitchFamily="2" charset="-122"/>
                 <a:cs typeface="Times New Roman" panose="02020603050405020304" pitchFamily="18" charset="0"/>
               </a:rPr>
-              <a:t>结果看出，在相同条件下，流动变为湍流后</a:t>
+              <a:t>迎风格式</a:t>
             </a:r>
             <a:r>
               <a:rPr lang="zh-CN" altLang="en-US" sz="2000" dirty="0" smtClean="0">
@@ -7153,7 +7404,7 @@
                 <a:ea typeface="华文细黑" panose="02010600040101010101" pitchFamily="2" charset="-122"/>
                 <a:cs typeface="Times New Roman" panose="02020603050405020304" pitchFamily="18" charset="0"/>
               </a:rPr>
-              <a:t>边界层变薄</a:t>
+              <a:t>：</a:t>
             </a:r>
             <a:endParaRPr kumimoji="0" lang="zh-CN" altLang="en-US" sz="1800" b="0" i="0" u="none" strike="noStrike" cap="none" normalizeH="0" baseline="0" dirty="0" smtClean="0">
               <a:ln>
@@ -7168,10 +7419,677 @@
           </a:p>
         </p:txBody>
       </p:sp>
+      <p:sp>
+        <p:nvSpPr>
+          <p:cNvPr id="9" name="Rectangle 6"/>
+          <p:cNvSpPr>
+            <a:spLocks noChangeArrowheads="1"/>
+          </p:cNvSpPr>
+          <p:nvPr/>
+        </p:nvSpPr>
+        <p:spPr bwMode="auto">
+          <a:xfrm>
+            <a:off x="393645" y="2227397"/>
+            <a:ext cx="6950320" cy="400110"/>
+          </a:xfrm>
+          <a:prstGeom prst="rect">
+            <a:avLst/>
+          </a:prstGeom>
+          <a:noFill/>
+          <a:ln>
+            <a:noFill/>
+          </a:ln>
+          <a:effectLst/>
+          <a:extLst>
+            <a:ext uri="{909E8E84-426E-40DD-AFC4-6F175D3DCCD1}">
+              <a14:hiddenFill xmlns:a14="http://schemas.microsoft.com/office/drawing/2010/main">
+                <a:solidFill>
+                  <a:schemeClr val="accent1"/>
+                </a:solidFill>
+              </a14:hiddenFill>
+            </a:ext>
+            <a:ext uri="{91240B29-F687-4F45-9708-019B960494DF}">
+              <a14:hiddenLine xmlns:a14="http://schemas.microsoft.com/office/drawing/2010/main" w="9525">
+                <a:solidFill>
+                  <a:schemeClr val="tx1"/>
+                </a:solidFill>
+                <a:miter lim="800000"/>
+                <a:headEnd/>
+                <a:tailEnd/>
+              </a14:hiddenLine>
+            </a:ext>
+            <a:ext uri="{AF507438-7753-43E0-B8FC-AC1667EBCBE1}">
+              <a14:hiddenEffects xmlns:a14="http://schemas.microsoft.com/office/drawing/2010/main">
+                <a:effectLst>
+                  <a:outerShdw dist="35921" dir="2700000" algn="ctr" rotWithShape="0">
+                    <a:schemeClr val="bg2"/>
+                  </a:outerShdw>
+                </a:effectLst>
+              </a14:hiddenEffects>
+            </a:ext>
+          </a:extLst>
+        </p:spPr>
+        <p:txBody>
+          <a:bodyPr vert="horz" wrap="square" lIns="91440" tIns="45720" rIns="91440" bIns="45720" numCol="1" anchor="ctr" anchorCtr="0" compatLnSpc="1">
+            <a:prstTxWarp prst="textNoShape">
+              <a:avLst/>
+            </a:prstTxWarp>
+            <a:spAutoFit/>
+          </a:bodyPr>
+          <a:lstStyle/>
+          <a:p>
+            <a:pPr lvl="0" eaLnBrk="0" fontAlgn="base" hangingPunct="0">
+              <a:spcBef>
+                <a:spcPct val="0"/>
+              </a:spcBef>
+              <a:spcAft>
+                <a:spcPct val="0"/>
+              </a:spcAft>
+            </a:pPr>
+            <a:r>
+              <a:rPr lang="zh-CN" altLang="en-US" sz="2000" dirty="0" smtClean="0">
+                <a:latin typeface="Times New Roman" panose="02020603050405020304" pitchFamily="18" charset="0"/>
+                <a:ea typeface="华文细黑" panose="02010600040101010101" pitchFamily="2" charset="-122"/>
+                <a:cs typeface="Times New Roman" panose="02020603050405020304" pitchFamily="18" charset="0"/>
+              </a:rPr>
+              <a:t>混合格式</a:t>
+            </a:r>
+            <a:r>
+              <a:rPr lang="zh-CN" altLang="en-US" sz="2000" dirty="0" smtClean="0">
+                <a:latin typeface="Times New Roman" panose="02020603050405020304" pitchFamily="18" charset="0"/>
+                <a:ea typeface="华文细黑" panose="02010600040101010101" pitchFamily="2" charset="-122"/>
+                <a:cs typeface="Times New Roman" panose="02020603050405020304" pitchFamily="18" charset="0"/>
+              </a:rPr>
+              <a:t>：</a:t>
+            </a:r>
+            <a:endParaRPr kumimoji="0" lang="zh-CN" altLang="en-US" sz="1800" b="0" i="0" u="none" strike="noStrike" cap="none" normalizeH="0" baseline="0" dirty="0" smtClean="0">
+              <a:ln>
+                <a:noFill/>
+              </a:ln>
+              <a:solidFill>
+                <a:schemeClr val="tx1"/>
+              </a:solidFill>
+              <a:effectLst/>
+              <a:latin typeface="Arial" panose="020B0604020202020204" pitchFamily="34" charset="0"/>
+            </a:endParaRPr>
+          </a:p>
+        </p:txBody>
+      </p:sp>
+      <p:sp>
+        <p:nvSpPr>
+          <p:cNvPr id="10" name="Rectangle 6"/>
+          <p:cNvSpPr>
+            <a:spLocks noChangeArrowheads="1"/>
+          </p:cNvSpPr>
+          <p:nvPr/>
+        </p:nvSpPr>
+        <p:spPr bwMode="auto">
+          <a:xfrm>
+            <a:off x="485598" y="4057340"/>
+            <a:ext cx="6950320" cy="400110"/>
+          </a:xfrm>
+          <a:prstGeom prst="rect">
+            <a:avLst/>
+          </a:prstGeom>
+          <a:noFill/>
+          <a:ln>
+            <a:noFill/>
+          </a:ln>
+          <a:effectLst/>
+          <a:extLst>
+            <a:ext uri="{909E8E84-426E-40DD-AFC4-6F175D3DCCD1}">
+              <a14:hiddenFill xmlns:a14="http://schemas.microsoft.com/office/drawing/2010/main">
+                <a:solidFill>
+                  <a:schemeClr val="accent1"/>
+                </a:solidFill>
+              </a14:hiddenFill>
+            </a:ext>
+            <a:ext uri="{91240B29-F687-4F45-9708-019B960494DF}">
+              <a14:hiddenLine xmlns:a14="http://schemas.microsoft.com/office/drawing/2010/main" w="9525">
+                <a:solidFill>
+                  <a:schemeClr val="tx1"/>
+                </a:solidFill>
+                <a:miter lim="800000"/>
+                <a:headEnd/>
+                <a:tailEnd/>
+              </a14:hiddenLine>
+            </a:ext>
+            <a:ext uri="{AF507438-7753-43E0-B8FC-AC1667EBCBE1}">
+              <a14:hiddenEffects xmlns:a14="http://schemas.microsoft.com/office/drawing/2010/main">
+                <a:effectLst>
+                  <a:outerShdw dist="35921" dir="2700000" algn="ctr" rotWithShape="0">
+                    <a:schemeClr val="bg2"/>
+                  </a:outerShdw>
+                </a:effectLst>
+              </a14:hiddenEffects>
+            </a:ext>
+          </a:extLst>
+        </p:spPr>
+        <p:txBody>
+          <a:bodyPr vert="horz" wrap="square" lIns="91440" tIns="45720" rIns="91440" bIns="45720" numCol="1" anchor="ctr" anchorCtr="0" compatLnSpc="1">
+            <a:prstTxWarp prst="textNoShape">
+              <a:avLst/>
+            </a:prstTxWarp>
+            <a:spAutoFit/>
+          </a:bodyPr>
+          <a:lstStyle/>
+          <a:p>
+            <a:pPr lvl="0" eaLnBrk="0" fontAlgn="base" hangingPunct="0">
+              <a:spcBef>
+                <a:spcPct val="0"/>
+              </a:spcBef>
+              <a:spcAft>
+                <a:spcPct val="0"/>
+              </a:spcAft>
+            </a:pPr>
+            <a:r>
+              <a:rPr lang="zh-CN" altLang="en-US" sz="2000" dirty="0" smtClean="0">
+                <a:latin typeface="Times New Roman" panose="02020603050405020304" pitchFamily="18" charset="0"/>
+                <a:ea typeface="华文细黑" panose="02010600040101010101" pitchFamily="2" charset="-122"/>
+                <a:cs typeface="Times New Roman" panose="02020603050405020304" pitchFamily="18" charset="0"/>
+              </a:rPr>
+              <a:t>乘方格式</a:t>
+            </a:r>
+            <a:r>
+              <a:rPr lang="zh-CN" altLang="en-US" sz="2000" dirty="0" smtClean="0">
+                <a:latin typeface="Times New Roman" panose="02020603050405020304" pitchFamily="18" charset="0"/>
+                <a:ea typeface="华文细黑" panose="02010600040101010101" pitchFamily="2" charset="-122"/>
+                <a:cs typeface="Times New Roman" panose="02020603050405020304" pitchFamily="18" charset="0"/>
+              </a:rPr>
+              <a:t>：</a:t>
+            </a:r>
+            <a:endParaRPr kumimoji="0" lang="zh-CN" altLang="en-US" sz="1800" b="0" i="0" u="none" strike="noStrike" cap="none" normalizeH="0" baseline="0" dirty="0" smtClean="0">
+              <a:ln>
+                <a:noFill/>
+              </a:ln>
+              <a:solidFill>
+                <a:schemeClr val="tx1"/>
+              </a:solidFill>
+              <a:effectLst/>
+              <a:latin typeface="Arial" panose="020B0604020202020204" pitchFamily="34" charset="0"/>
+            </a:endParaRPr>
+          </a:p>
+        </p:txBody>
+      </p:sp>
+      <p:pic>
+        <p:nvPicPr>
+          <p:cNvPr id="15" name="图片 14"/>
+          <p:cNvPicPr>
+            <a:picLocks noChangeAspect="1"/>
+          </p:cNvPicPr>
+          <p:nvPr/>
+        </p:nvPicPr>
+        <p:blipFill rotWithShape="1">
+          <a:blip r:embed="rId4">
+            <a:extLst>
+              <a:ext uri="{28A0092B-C50C-407E-A947-70E740481C1C}">
+                <a14:useLocalDpi xmlns:a14="http://schemas.microsoft.com/office/drawing/2010/main" val="0"/>
+              </a:ext>
+            </a:extLst>
+          </a:blip>
+          <a:srcRect l="8604" t="33246" r="7534" b="37646"/>
+          <a:stretch/>
+        </p:blipFill>
+        <p:spPr>
+          <a:xfrm>
+            <a:off x="298110" y="4457451"/>
+            <a:ext cx="7341220" cy="1724986"/>
+          </a:xfrm>
+          <a:prstGeom prst="rect">
+            <a:avLst/>
+          </a:prstGeom>
+        </p:spPr>
+      </p:pic>
     </p:spTree>
     <p:extLst>
       <p:ext uri="{BB962C8B-B14F-4D97-AF65-F5344CB8AC3E}">
-        <p14:creationId xmlns:p14="http://schemas.microsoft.com/office/powerpoint/2010/main" val="277776860"/>
+        <p14:creationId xmlns:p14="http://schemas.microsoft.com/office/powerpoint/2010/main" val="3015339750"/>
+      </p:ext>
+    </p:extLst>
+  </p:cSld>
+  <p:clrMapOvr>
+    <a:masterClrMapping/>
+  </p:clrMapOvr>
+</p:sld>
+</file>
+
+<file path=ppt/slides/slide16.xml><?xml version="1.0" encoding="utf-8"?>
+<p:sld xmlns:a="http://schemas.openxmlformats.org/drawingml/2006/main" xmlns:r="http://schemas.openxmlformats.org/officeDocument/2006/relationships" xmlns:p="http://schemas.openxmlformats.org/presentationml/2006/main">
+  <p:cSld>
+    <p:spTree>
+      <p:nvGrpSpPr>
+        <p:cNvPr id="1" name=""/>
+        <p:cNvGrpSpPr/>
+        <p:nvPr/>
+      </p:nvGrpSpPr>
+      <p:grpSpPr>
+        <a:xfrm>
+          <a:off x="0" y="0"/>
+          <a:ext cx="0" cy="0"/>
+          <a:chOff x="0" y="0"/>
+          <a:chExt cx="0" cy="0"/>
+        </a:xfrm>
+      </p:grpSpPr>
+      <p:sp>
+        <p:nvSpPr>
+          <p:cNvPr id="2" name="标题 1"/>
+          <p:cNvSpPr>
+            <a:spLocks noGrp="1"/>
+          </p:cNvSpPr>
+          <p:nvPr>
+            <p:ph type="title"/>
+          </p:nvPr>
+        </p:nvSpPr>
+        <p:spPr>
+          <a:xfrm>
+            <a:off x="393645" y="-388945"/>
+            <a:ext cx="5133699" cy="1325563"/>
+          </a:xfrm>
+        </p:spPr>
+        <p:txBody>
+          <a:bodyPr/>
+          <a:lstStyle/>
+          <a:p>
+            <a:r>
+              <a:rPr lang="zh-CN" altLang="en-US" dirty="0" smtClean="0">
+                <a:latin typeface="华文细黑" panose="02010600040101010101" pitchFamily="2" charset="-122"/>
+                <a:ea typeface="华文细黑" panose="02010600040101010101" pitchFamily="2" charset="-122"/>
+              </a:rPr>
+              <a:t>不同格式计算</a:t>
+            </a:r>
+            <a:r>
+              <a:rPr lang="zh-CN" altLang="en-US" dirty="0" smtClean="0">
+                <a:latin typeface="华文细黑" panose="02010600040101010101" pitchFamily="2" charset="-122"/>
+                <a:ea typeface="华文细黑" panose="02010600040101010101" pitchFamily="2" charset="-122"/>
+              </a:rPr>
+              <a:t>结果</a:t>
+            </a:r>
+            <a:endParaRPr lang="zh-CN" altLang="en-US" dirty="0">
+              <a:latin typeface="华文细黑" panose="02010600040101010101" pitchFamily="2" charset="-122"/>
+              <a:ea typeface="华文细黑" panose="02010600040101010101" pitchFamily="2" charset="-122"/>
+            </a:endParaRPr>
+          </a:p>
+        </p:txBody>
+      </p:sp>
+      <p:pic>
+        <p:nvPicPr>
+          <p:cNvPr id="3" name="图片 2"/>
+          <p:cNvPicPr>
+            <a:picLocks noChangeAspect="1"/>
+          </p:cNvPicPr>
+          <p:nvPr/>
+        </p:nvPicPr>
+        <p:blipFill rotWithShape="1">
+          <a:blip r:embed="rId2">
+            <a:extLst>
+              <a:ext uri="{28A0092B-C50C-407E-A947-70E740481C1C}">
+                <a14:useLocalDpi xmlns:a14="http://schemas.microsoft.com/office/drawing/2010/main" val="0"/>
+              </a:ext>
+            </a:extLst>
+          </a:blip>
+          <a:srcRect l="9403" t="33757" r="6418" b="36907"/>
+          <a:stretch/>
+        </p:blipFill>
+        <p:spPr>
+          <a:xfrm>
+            <a:off x="577956" y="2809210"/>
+            <a:ext cx="7697337" cy="1854862"/>
+          </a:xfrm>
+          <a:prstGeom prst="rect">
+            <a:avLst/>
+          </a:prstGeom>
+        </p:spPr>
+      </p:pic>
+      <p:pic>
+        <p:nvPicPr>
+          <p:cNvPr id="4" name="图片 3"/>
+          <p:cNvPicPr>
+            <a:picLocks noChangeAspect="1"/>
+          </p:cNvPicPr>
+          <p:nvPr/>
+        </p:nvPicPr>
+        <p:blipFill rotWithShape="1">
+          <a:blip r:embed="rId3">
+            <a:extLst>
+              <a:ext uri="{28A0092B-C50C-407E-A947-70E740481C1C}">
+                <a14:useLocalDpi xmlns:a14="http://schemas.microsoft.com/office/drawing/2010/main" val="0"/>
+              </a:ext>
+            </a:extLst>
+          </a:blip>
+          <a:srcRect l="7577" t="35728" r="5265" b="36292"/>
+          <a:stretch/>
+        </p:blipFill>
+        <p:spPr>
+          <a:xfrm>
+            <a:off x="393645" y="940455"/>
+            <a:ext cx="7957284" cy="1868755"/>
+          </a:xfrm>
+          <a:prstGeom prst="rect">
+            <a:avLst/>
+          </a:prstGeom>
+        </p:spPr>
+      </p:pic>
+      <p:sp>
+        <p:nvSpPr>
+          <p:cNvPr id="9" name="Rectangle 6"/>
+          <p:cNvSpPr>
+            <a:spLocks noChangeArrowheads="1"/>
+          </p:cNvSpPr>
+          <p:nvPr/>
+        </p:nvSpPr>
+        <p:spPr bwMode="auto">
+          <a:xfrm>
+            <a:off x="393645" y="536508"/>
+            <a:ext cx="6950320" cy="400110"/>
+          </a:xfrm>
+          <a:prstGeom prst="rect">
+            <a:avLst/>
+          </a:prstGeom>
+          <a:noFill/>
+          <a:ln>
+            <a:noFill/>
+          </a:ln>
+          <a:effectLst/>
+          <a:extLst>
+            <a:ext uri="{909E8E84-426E-40DD-AFC4-6F175D3DCCD1}">
+              <a14:hiddenFill xmlns:a14="http://schemas.microsoft.com/office/drawing/2010/main">
+                <a:solidFill>
+                  <a:schemeClr val="accent1"/>
+                </a:solidFill>
+              </a14:hiddenFill>
+            </a:ext>
+            <a:ext uri="{91240B29-F687-4F45-9708-019B960494DF}">
+              <a14:hiddenLine xmlns:a14="http://schemas.microsoft.com/office/drawing/2010/main" w="9525">
+                <a:solidFill>
+                  <a:schemeClr val="tx1"/>
+                </a:solidFill>
+                <a:miter lim="800000"/>
+                <a:headEnd/>
+                <a:tailEnd/>
+              </a14:hiddenLine>
+            </a:ext>
+            <a:ext uri="{AF507438-7753-43E0-B8FC-AC1667EBCBE1}">
+              <a14:hiddenEffects xmlns:a14="http://schemas.microsoft.com/office/drawing/2010/main">
+                <a:effectLst>
+                  <a:outerShdw dist="35921" dir="2700000" algn="ctr" rotWithShape="0">
+                    <a:schemeClr val="bg2"/>
+                  </a:outerShdw>
+                </a:effectLst>
+              </a14:hiddenEffects>
+            </a:ext>
+          </a:extLst>
+        </p:spPr>
+        <p:txBody>
+          <a:bodyPr vert="horz" wrap="square" lIns="91440" tIns="45720" rIns="91440" bIns="45720" numCol="1" anchor="ctr" anchorCtr="0" compatLnSpc="1">
+            <a:prstTxWarp prst="textNoShape">
+              <a:avLst/>
+            </a:prstTxWarp>
+            <a:spAutoFit/>
+          </a:bodyPr>
+          <a:lstStyle/>
+          <a:p>
+            <a:pPr lvl="0" eaLnBrk="0" fontAlgn="base" hangingPunct="0">
+              <a:spcBef>
+                <a:spcPct val="0"/>
+              </a:spcBef>
+              <a:spcAft>
+                <a:spcPct val="0"/>
+              </a:spcAft>
+            </a:pPr>
+            <a:r>
+              <a:rPr lang="zh-CN" altLang="en-US" sz="2000" dirty="0" smtClean="0">
+                <a:latin typeface="Times New Roman" panose="02020603050405020304" pitchFamily="18" charset="0"/>
+                <a:ea typeface="华文细黑" panose="02010600040101010101" pitchFamily="2" charset="-122"/>
+                <a:cs typeface="Times New Roman" panose="02020603050405020304" pitchFamily="18" charset="0"/>
+              </a:rPr>
+              <a:t>迎风格式</a:t>
+            </a:r>
+            <a:r>
+              <a:rPr lang="zh-CN" altLang="en-US" sz="2000" dirty="0" smtClean="0">
+                <a:latin typeface="Times New Roman" panose="02020603050405020304" pitchFamily="18" charset="0"/>
+                <a:ea typeface="华文细黑" panose="02010600040101010101" pitchFamily="2" charset="-122"/>
+                <a:cs typeface="Times New Roman" panose="02020603050405020304" pitchFamily="18" charset="0"/>
+              </a:rPr>
+              <a:t>：</a:t>
+            </a:r>
+            <a:endParaRPr kumimoji="0" lang="zh-CN" altLang="en-US" sz="1800" b="0" i="0" u="none" strike="noStrike" cap="none" normalizeH="0" baseline="0" dirty="0" smtClean="0">
+              <a:ln>
+                <a:noFill/>
+              </a:ln>
+              <a:solidFill>
+                <a:schemeClr val="tx1"/>
+              </a:solidFill>
+              <a:effectLst/>
+              <a:latin typeface="Arial" panose="020B0604020202020204" pitchFamily="34" charset="0"/>
+            </a:endParaRPr>
+          </a:p>
+        </p:txBody>
+      </p:sp>
+      <p:sp>
+        <p:nvSpPr>
+          <p:cNvPr id="10" name="Rectangle 6"/>
+          <p:cNvSpPr>
+            <a:spLocks noChangeArrowheads="1"/>
+          </p:cNvSpPr>
+          <p:nvPr/>
+        </p:nvSpPr>
+        <p:spPr bwMode="auto">
+          <a:xfrm>
+            <a:off x="393645" y="2609155"/>
+            <a:ext cx="6950320" cy="400110"/>
+          </a:xfrm>
+          <a:prstGeom prst="rect">
+            <a:avLst/>
+          </a:prstGeom>
+          <a:noFill/>
+          <a:ln>
+            <a:noFill/>
+          </a:ln>
+          <a:effectLst/>
+          <a:extLst>
+            <a:ext uri="{909E8E84-426E-40DD-AFC4-6F175D3DCCD1}">
+              <a14:hiddenFill xmlns:a14="http://schemas.microsoft.com/office/drawing/2010/main">
+                <a:solidFill>
+                  <a:schemeClr val="accent1"/>
+                </a:solidFill>
+              </a14:hiddenFill>
+            </a:ext>
+            <a:ext uri="{91240B29-F687-4F45-9708-019B960494DF}">
+              <a14:hiddenLine xmlns:a14="http://schemas.microsoft.com/office/drawing/2010/main" w="9525">
+                <a:solidFill>
+                  <a:schemeClr val="tx1"/>
+                </a:solidFill>
+                <a:miter lim="800000"/>
+                <a:headEnd/>
+                <a:tailEnd/>
+              </a14:hiddenLine>
+            </a:ext>
+            <a:ext uri="{AF507438-7753-43E0-B8FC-AC1667EBCBE1}">
+              <a14:hiddenEffects xmlns:a14="http://schemas.microsoft.com/office/drawing/2010/main">
+                <a:effectLst>
+                  <a:outerShdw dist="35921" dir="2700000" algn="ctr" rotWithShape="0">
+                    <a:schemeClr val="bg2"/>
+                  </a:outerShdw>
+                </a:effectLst>
+              </a14:hiddenEffects>
+            </a:ext>
+          </a:extLst>
+        </p:spPr>
+        <p:txBody>
+          <a:bodyPr vert="horz" wrap="square" lIns="91440" tIns="45720" rIns="91440" bIns="45720" numCol="1" anchor="ctr" anchorCtr="0" compatLnSpc="1">
+            <a:prstTxWarp prst="textNoShape">
+              <a:avLst/>
+            </a:prstTxWarp>
+            <a:spAutoFit/>
+          </a:bodyPr>
+          <a:lstStyle/>
+          <a:p>
+            <a:pPr lvl="0" eaLnBrk="0" fontAlgn="base" hangingPunct="0">
+              <a:spcBef>
+                <a:spcPct val="0"/>
+              </a:spcBef>
+              <a:spcAft>
+                <a:spcPct val="0"/>
+              </a:spcAft>
+            </a:pPr>
+            <a:r>
+              <a:rPr lang="zh-CN" altLang="en-US" sz="2000" dirty="0" smtClean="0">
+                <a:latin typeface="Times New Roman" panose="02020603050405020304" pitchFamily="18" charset="0"/>
+                <a:ea typeface="华文细黑" panose="02010600040101010101" pitchFamily="2" charset="-122"/>
+                <a:cs typeface="Times New Roman" panose="02020603050405020304" pitchFamily="18" charset="0"/>
+              </a:rPr>
+              <a:t>混合格式</a:t>
+            </a:r>
+            <a:r>
+              <a:rPr lang="zh-CN" altLang="en-US" sz="2000" dirty="0" smtClean="0">
+                <a:latin typeface="Times New Roman" panose="02020603050405020304" pitchFamily="18" charset="0"/>
+                <a:ea typeface="华文细黑" panose="02010600040101010101" pitchFamily="2" charset="-122"/>
+                <a:cs typeface="Times New Roman" panose="02020603050405020304" pitchFamily="18" charset="0"/>
+              </a:rPr>
+              <a:t>：</a:t>
+            </a:r>
+            <a:endParaRPr kumimoji="0" lang="zh-CN" altLang="en-US" sz="1800" b="0" i="0" u="none" strike="noStrike" cap="none" normalizeH="0" baseline="0" dirty="0" smtClean="0">
+              <a:ln>
+                <a:noFill/>
+              </a:ln>
+              <a:solidFill>
+                <a:schemeClr val="tx1"/>
+              </a:solidFill>
+              <a:effectLst/>
+              <a:latin typeface="Arial" panose="020B0604020202020204" pitchFamily="34" charset="0"/>
+            </a:endParaRPr>
+          </a:p>
+        </p:txBody>
+      </p:sp>
+      <p:sp>
+        <p:nvSpPr>
+          <p:cNvPr id="11" name="Rectangle 6"/>
+          <p:cNvSpPr>
+            <a:spLocks noChangeArrowheads="1"/>
+          </p:cNvSpPr>
+          <p:nvPr/>
+        </p:nvSpPr>
+        <p:spPr bwMode="auto">
+          <a:xfrm>
+            <a:off x="393645" y="4520052"/>
+            <a:ext cx="6950320" cy="400110"/>
+          </a:xfrm>
+          <a:prstGeom prst="rect">
+            <a:avLst/>
+          </a:prstGeom>
+          <a:noFill/>
+          <a:ln>
+            <a:noFill/>
+          </a:ln>
+          <a:effectLst/>
+          <a:extLst>
+            <a:ext uri="{909E8E84-426E-40DD-AFC4-6F175D3DCCD1}">
+              <a14:hiddenFill xmlns:a14="http://schemas.microsoft.com/office/drawing/2010/main">
+                <a:solidFill>
+                  <a:schemeClr val="accent1"/>
+                </a:solidFill>
+              </a14:hiddenFill>
+            </a:ext>
+            <a:ext uri="{91240B29-F687-4F45-9708-019B960494DF}">
+              <a14:hiddenLine xmlns:a14="http://schemas.microsoft.com/office/drawing/2010/main" w="9525">
+                <a:solidFill>
+                  <a:schemeClr val="tx1"/>
+                </a:solidFill>
+                <a:miter lim="800000"/>
+                <a:headEnd/>
+                <a:tailEnd/>
+              </a14:hiddenLine>
+            </a:ext>
+            <a:ext uri="{AF507438-7753-43E0-B8FC-AC1667EBCBE1}">
+              <a14:hiddenEffects xmlns:a14="http://schemas.microsoft.com/office/drawing/2010/main">
+                <a:effectLst>
+                  <a:outerShdw dist="35921" dir="2700000" algn="ctr" rotWithShape="0">
+                    <a:schemeClr val="bg2"/>
+                  </a:outerShdw>
+                </a:effectLst>
+              </a14:hiddenEffects>
+            </a:ext>
+          </a:extLst>
+        </p:spPr>
+        <p:txBody>
+          <a:bodyPr vert="horz" wrap="square" lIns="91440" tIns="45720" rIns="91440" bIns="45720" numCol="1" anchor="ctr" anchorCtr="0" compatLnSpc="1">
+            <a:prstTxWarp prst="textNoShape">
+              <a:avLst/>
+            </a:prstTxWarp>
+            <a:spAutoFit/>
+          </a:bodyPr>
+          <a:lstStyle/>
+          <a:p>
+            <a:pPr lvl="0" eaLnBrk="0" fontAlgn="base" hangingPunct="0">
+              <a:spcBef>
+                <a:spcPct val="0"/>
+              </a:spcBef>
+              <a:spcAft>
+                <a:spcPct val="0"/>
+              </a:spcAft>
+            </a:pPr>
+            <a:r>
+              <a:rPr lang="zh-CN" altLang="en-US" sz="2000" dirty="0" smtClean="0">
+                <a:latin typeface="Times New Roman" panose="02020603050405020304" pitchFamily="18" charset="0"/>
+                <a:ea typeface="华文细黑" panose="02010600040101010101" pitchFamily="2" charset="-122"/>
+                <a:cs typeface="Times New Roman" panose="02020603050405020304" pitchFamily="18" charset="0"/>
+              </a:rPr>
+              <a:t>乘方格式</a:t>
+            </a:r>
+            <a:r>
+              <a:rPr lang="zh-CN" altLang="en-US" sz="2000" dirty="0" smtClean="0">
+                <a:latin typeface="Times New Roman" panose="02020603050405020304" pitchFamily="18" charset="0"/>
+                <a:ea typeface="华文细黑" panose="02010600040101010101" pitchFamily="2" charset="-122"/>
+                <a:cs typeface="Times New Roman" panose="02020603050405020304" pitchFamily="18" charset="0"/>
+              </a:rPr>
+              <a:t>：</a:t>
+            </a:r>
+            <a:endParaRPr kumimoji="0" lang="zh-CN" altLang="en-US" sz="1800" b="0" i="0" u="none" strike="noStrike" cap="none" normalizeH="0" baseline="0" dirty="0" smtClean="0">
+              <a:ln>
+                <a:noFill/>
+              </a:ln>
+              <a:solidFill>
+                <a:schemeClr val="tx1"/>
+              </a:solidFill>
+              <a:effectLst/>
+              <a:latin typeface="Arial" panose="020B0604020202020204" pitchFamily="34" charset="0"/>
+            </a:endParaRPr>
+          </a:p>
+        </p:txBody>
+      </p:sp>
+      <p:pic>
+        <p:nvPicPr>
+          <p:cNvPr id="12" name="图片 11"/>
+          <p:cNvPicPr>
+            <a:picLocks noChangeAspect="1"/>
+          </p:cNvPicPr>
+          <p:nvPr/>
+        </p:nvPicPr>
+        <p:blipFill rotWithShape="1">
+          <a:blip r:embed="rId4">
+            <a:extLst>
+              <a:ext uri="{28A0092B-C50C-407E-A947-70E740481C1C}">
+                <a14:useLocalDpi xmlns:a14="http://schemas.microsoft.com/office/drawing/2010/main" val="0"/>
+              </a:ext>
+            </a:extLst>
+          </a:blip>
+          <a:srcRect l="8540" t="35051" r="6792" b="36518"/>
+          <a:stretch/>
+        </p:blipFill>
+        <p:spPr>
+          <a:xfrm>
+            <a:off x="535371" y="4920162"/>
+            <a:ext cx="7706644" cy="1821833"/>
+          </a:xfrm>
+          <a:prstGeom prst="rect">
+            <a:avLst/>
+          </a:prstGeom>
+        </p:spPr>
+      </p:pic>
+    </p:spTree>
+    <p:extLst>
+      <p:ext uri="{BB962C8B-B14F-4D97-AF65-F5344CB8AC3E}">
+        <p14:creationId xmlns:p14="http://schemas.microsoft.com/office/powerpoint/2010/main" val="3959541100"/>
       </p:ext>
     </p:extLst>
   </p:cSld>
@@ -7446,7 +8364,7 @@
           <a:graphicData uri="http://schemas.openxmlformats.org/presentationml/2006/ole">
             <mc:AlternateContent xmlns:mc="http://schemas.openxmlformats.org/markup-compatibility/2006">
               <mc:Choice xmlns:v="urn:schemas-microsoft-com:vml" Requires="v">
-                <p:oleObj spid="_x0000_s1328" name="Equation" r:id="rId3" imgW="1498600" imgH="914400" progId="Equation.DSMT4">
+                <p:oleObj spid="_x0000_s1356" name="Equation" r:id="rId3" imgW="1498600" imgH="914400" progId="Equation.DSMT4">
                   <p:embed/>
                 </p:oleObj>
               </mc:Choice>
@@ -7576,7 +8494,7 @@
           <a:graphicData uri="http://schemas.openxmlformats.org/presentationml/2006/ole">
             <mc:AlternateContent xmlns:mc="http://schemas.openxmlformats.org/markup-compatibility/2006">
               <mc:Choice xmlns:v="urn:schemas-microsoft-com:vml" Requires="v">
-                <p:oleObj spid="_x0000_s1329" name="Equation" r:id="rId5" imgW="2743200" imgH="990600" progId="Equation.DSMT4">
+                <p:oleObj spid="_x0000_s1357" name="Equation" r:id="rId5" imgW="2743200" imgH="990600" progId="Equation.DSMT4">
                   <p:embed/>
                 </p:oleObj>
               </mc:Choice>
@@ -7954,7 +8872,7 @@
           <a:graphicData uri="http://schemas.openxmlformats.org/presentationml/2006/ole">
             <mc:AlternateContent xmlns:mc="http://schemas.openxmlformats.org/markup-compatibility/2006">
               <mc:Choice xmlns:v="urn:schemas-microsoft-com:vml" Requires="v">
-                <p:oleObj spid="_x0000_s20824" name="Equation" r:id="rId3" imgW="2590800" imgH="393700" progId="Equation.DSMT4">
+                <p:oleObj spid="_x0000_s20880" name="Equation" r:id="rId3" imgW="2590800" imgH="393700" progId="Equation.DSMT4">
                   <p:embed/>
                 </p:oleObj>
               </mc:Choice>
@@ -8021,7 +8939,7 @@
           <a:graphicData uri="http://schemas.openxmlformats.org/presentationml/2006/ole">
             <mc:AlternateContent xmlns:mc="http://schemas.openxmlformats.org/markup-compatibility/2006">
               <mc:Choice xmlns:v="urn:schemas-microsoft-com:vml" Requires="v">
-                <p:oleObj spid="_x0000_s20825" name="Equation" r:id="rId5" imgW="2387600" imgH="482600" progId="Equation.DSMT4">
+                <p:oleObj spid="_x0000_s20881" name="Equation" r:id="rId5" imgW="2387600" imgH="482600" progId="Equation.DSMT4">
                   <p:embed/>
                 </p:oleObj>
               </mc:Choice>
@@ -8192,7 +9110,7 @@
           <a:graphicData uri="http://schemas.openxmlformats.org/presentationml/2006/ole">
             <mc:AlternateContent xmlns:mc="http://schemas.openxmlformats.org/markup-compatibility/2006">
               <mc:Choice xmlns:v="urn:schemas-microsoft-com:vml" Requires="v">
-                <p:oleObj spid="_x0000_s20826" name="Equation" r:id="rId7" imgW="2882900" imgH="482600" progId="Equation.DSMT4">
+                <p:oleObj spid="_x0000_s20882" name="Equation" r:id="rId7" imgW="2882900" imgH="482600" progId="Equation.DSMT4">
                   <p:embed/>
                 </p:oleObj>
               </mc:Choice>
@@ -8259,7 +9177,7 @@
           <a:graphicData uri="http://schemas.openxmlformats.org/presentationml/2006/ole">
             <mc:AlternateContent xmlns:mc="http://schemas.openxmlformats.org/markup-compatibility/2006">
               <mc:Choice xmlns:v="urn:schemas-microsoft-com:vml" Requires="v">
-                <p:oleObj spid="_x0000_s20827" name="Equation" r:id="rId9" imgW="3517900" imgH="482600" progId="Equation.DSMT4">
+                <p:oleObj spid="_x0000_s20883" name="Equation" r:id="rId9" imgW="3517900" imgH="482600" progId="Equation.DSMT4">
                   <p:embed/>
                 </p:oleObj>
               </mc:Choice>
@@ -8468,7 +9386,7 @@
           <a:graphicData uri="http://schemas.openxmlformats.org/presentationml/2006/ole">
             <mc:AlternateContent xmlns:mc="http://schemas.openxmlformats.org/markup-compatibility/2006">
               <mc:Choice xmlns:v="urn:schemas-microsoft-com:vml" Requires="v">
-                <p:oleObj spid="_x0000_s21835" name="Equation" r:id="rId3" imgW="4660900" imgH="457200" progId="Equation.DSMT4">
+                <p:oleObj spid="_x0000_s21891" name="Equation" r:id="rId3" imgW="4660900" imgH="457200" progId="Equation.DSMT4">
                   <p:embed/>
                 </p:oleObj>
               </mc:Choice>
@@ -8535,7 +9453,7 @@
           <a:graphicData uri="http://schemas.openxmlformats.org/presentationml/2006/ole">
             <mc:AlternateContent xmlns:mc="http://schemas.openxmlformats.org/markup-compatibility/2006">
               <mc:Choice xmlns:v="urn:schemas-microsoft-com:vml" Requires="v">
-                <p:oleObj spid="_x0000_s21836" name="Equation" r:id="rId5" imgW="952087" imgH="203112" progId="Equation.DSMT4">
+                <p:oleObj spid="_x0000_s21892" name="Equation" r:id="rId5" imgW="952087" imgH="203112" progId="Equation.DSMT4">
                   <p:embed/>
                 </p:oleObj>
               </mc:Choice>
@@ -8602,7 +9520,7 @@
           <a:graphicData uri="http://schemas.openxmlformats.org/presentationml/2006/ole">
             <mc:AlternateContent xmlns:mc="http://schemas.openxmlformats.org/markup-compatibility/2006">
               <mc:Choice xmlns:v="urn:schemas-microsoft-com:vml" Requires="v">
-                <p:oleObj spid="_x0000_s21837" name="Equation" r:id="rId7" imgW="1130040" imgH="203040" progId="Equation.DSMT4">
+                <p:oleObj spid="_x0000_s21893" name="Equation" r:id="rId7" imgW="1130040" imgH="203040" progId="Equation.DSMT4">
                   <p:embed/>
                 </p:oleObj>
               </mc:Choice>
@@ -8809,7 +9727,7 @@
           <a:graphicData uri="http://schemas.openxmlformats.org/presentationml/2006/ole">
             <mc:AlternateContent xmlns:mc="http://schemas.openxmlformats.org/markup-compatibility/2006">
               <mc:Choice xmlns:v="urn:schemas-microsoft-com:vml" Requires="v">
-                <p:oleObj spid="_x0000_s21838" name="Equation" r:id="rId9" imgW="2463480" imgH="1143000" progId="Equation.DSMT4">
+                <p:oleObj spid="_x0000_s21894" name="Equation" r:id="rId9" imgW="2463480" imgH="1143000" progId="Equation.DSMT4">
                   <p:embed/>
                 </p:oleObj>
               </mc:Choice>
@@ -10435,7 +11353,7 @@
           <a:graphicData uri="http://schemas.openxmlformats.org/presentationml/2006/ole">
             <mc:AlternateContent xmlns:mc="http://schemas.openxmlformats.org/markup-compatibility/2006">
               <mc:Choice xmlns:v="urn:schemas-microsoft-com:vml" Requires="v">
-                <p:oleObj spid="_x0000_s23310" name="Equation" r:id="rId3" imgW="1981080" imgH="533160" progId="Equation.DSMT4">
+                <p:oleObj spid="_x0000_s23338" name="Equation" r:id="rId3" imgW="1981080" imgH="533160" progId="Equation.DSMT4">
                   <p:embed/>
                 </p:oleObj>
               </mc:Choice>
@@ -10496,7 +11414,7 @@
           <a:graphicData uri="http://schemas.openxmlformats.org/presentationml/2006/ole">
             <mc:AlternateContent xmlns:mc="http://schemas.openxmlformats.org/markup-compatibility/2006">
               <mc:Choice xmlns:v="urn:schemas-microsoft-com:vml" Requires="v">
-                <p:oleObj spid="_x0000_s23311" name="Equation" r:id="rId5" imgW="3543300" imgH="279400" progId="Equation.DSMT4">
+                <p:oleObj spid="_x0000_s23339" name="Equation" r:id="rId5" imgW="3543300" imgH="279400" progId="Equation.DSMT4">
                   <p:embed/>
                 </p:oleObj>
               </mc:Choice>
@@ -12179,7 +13097,7 @@
           <a:graphicData uri="http://schemas.openxmlformats.org/presentationml/2006/ole">
             <mc:AlternateContent xmlns:mc="http://schemas.openxmlformats.org/markup-compatibility/2006">
               <mc:Choice xmlns:v="urn:schemas-microsoft-com:vml" Requires="v">
-                <p:oleObj spid="_x0000_s25812" name="Equation" r:id="rId3" imgW="3060360" imgH="253800" progId="Equation.DSMT4">
+                <p:oleObj spid="_x0000_s25882" name="Equation" r:id="rId3" imgW="3060360" imgH="253800" progId="Equation.DSMT4">
                   <p:embed/>
                 </p:oleObj>
               </mc:Choice>
@@ -12240,7 +13158,7 @@
           <a:graphicData uri="http://schemas.openxmlformats.org/presentationml/2006/ole">
             <mc:AlternateContent xmlns:mc="http://schemas.openxmlformats.org/markup-compatibility/2006">
               <mc:Choice xmlns:v="urn:schemas-microsoft-com:vml" Requires="v">
-                <p:oleObj spid="_x0000_s25813" name="Equation" r:id="rId5" imgW="672840" imgH="457200" progId="Equation.DSMT4">
+                <p:oleObj spid="_x0000_s25883" name="Equation" r:id="rId5" imgW="672840" imgH="457200" progId="Equation.DSMT4">
                   <p:embed/>
                 </p:oleObj>
               </mc:Choice>
@@ -12380,7 +13298,7 @@
             </p:nvGraphicFramePr>
             <p:xfrm>
               <a:off x="545206" y="3466533"/>
-              <a:ext cx="8273424" cy="2903463"/>
+              <a:ext cx="8273424" cy="2866028"/>
             </p:xfrm>
             <a:graphic>
               <a:graphicData uri="http://schemas.openxmlformats.org/drawingml/2006/table">
@@ -14476,7 +15394,7 @@
           <a:graphicData uri="http://schemas.openxmlformats.org/presentationml/2006/ole">
             <mc:AlternateContent xmlns:mc="http://schemas.openxmlformats.org/markup-compatibility/2006">
               <mc:Choice xmlns:v="urn:schemas-microsoft-com:vml" Requires="v">
-                <p:oleObj spid="_x0000_s25814" name="Equation" r:id="rId8" imgW="444307" imgH="393529" progId="Equation.DSMT4">
+                <p:oleObj spid="_x0000_s25884" name="Equation" r:id="rId8" imgW="444307" imgH="393529" progId="Equation.DSMT4">
                   <p:embed/>
                 </p:oleObj>
               </mc:Choice>
@@ -14543,7 +15461,7 @@
           <a:graphicData uri="http://schemas.openxmlformats.org/presentationml/2006/ole">
             <mc:AlternateContent xmlns:mc="http://schemas.openxmlformats.org/markup-compatibility/2006">
               <mc:Choice xmlns:v="urn:schemas-microsoft-com:vml" Requires="v">
-                <p:oleObj spid="_x0000_s25815" name="Equation" r:id="rId10" imgW="1117115" imgH="253890" progId="Equation.DSMT4">
+                <p:oleObj spid="_x0000_s25885" name="Equation" r:id="rId10" imgW="1117115" imgH="253890" progId="Equation.DSMT4">
                   <p:embed/>
                 </p:oleObj>
               </mc:Choice>
@@ -14610,7 +15528,7 @@
           <a:graphicData uri="http://schemas.openxmlformats.org/presentationml/2006/ole">
             <mc:AlternateContent xmlns:mc="http://schemas.openxmlformats.org/markup-compatibility/2006">
               <mc:Choice xmlns:v="urn:schemas-microsoft-com:vml" Requires="v">
-                <p:oleObj spid="_x0000_s25816" name="Equation" r:id="rId12" imgW="1028254" imgH="253890" progId="Equation.DSMT4">
+                <p:oleObj spid="_x0000_s25886" name="Equation" r:id="rId12" imgW="1028254" imgH="253890" progId="Equation.DSMT4">
                   <p:embed/>
                 </p:oleObj>
               </mc:Choice>
@@ -16318,7 +17236,7 @@
           <a:graphicData uri="http://schemas.openxmlformats.org/presentationml/2006/ole">
             <mc:AlternateContent xmlns:mc="http://schemas.openxmlformats.org/markup-compatibility/2006">
               <mc:Choice xmlns:v="urn:schemas-microsoft-com:vml" Requires="v">
-                <p:oleObj spid="_x0000_s26704" name="Equation" r:id="rId3" imgW="2869920" imgH="1396800" progId="Equation.DSMT4">
+                <p:oleObj spid="_x0000_s26732" name="Equation" r:id="rId3" imgW="2869920" imgH="1396800" progId="Equation.DSMT4">
                   <p:embed/>
                 </p:oleObj>
               </mc:Choice>
@@ -16379,7 +17297,7 @@
           <a:graphicData uri="http://schemas.openxmlformats.org/presentationml/2006/ole">
             <mc:AlternateContent xmlns:mc="http://schemas.openxmlformats.org/markup-compatibility/2006">
               <mc:Choice xmlns:v="urn:schemas-microsoft-com:vml" Requires="v">
-                <p:oleObj spid="_x0000_s26705" name="Equation" r:id="rId5" imgW="355320" imgH="228600" progId="Equation.DSMT4">
+                <p:oleObj spid="_x0000_s26733" name="Equation" r:id="rId5" imgW="355320" imgH="228600" progId="Equation.DSMT4">
                   <p:embed/>
                 </p:oleObj>
               </mc:Choice>
@@ -18061,7 +18979,7 @@
           <a:graphicData uri="http://schemas.openxmlformats.org/presentationml/2006/ole">
             <mc:AlternateContent xmlns:mc="http://schemas.openxmlformats.org/markup-compatibility/2006">
               <mc:Choice xmlns:v="urn:schemas-microsoft-com:vml" Requires="v">
-                <p:oleObj spid="_x0000_s27725" name="Equation" r:id="rId3" imgW="2717800" imgH="228600" progId="Equation.DSMT4">
+                <p:oleObj spid="_x0000_s27753" name="Equation" r:id="rId3" imgW="2717800" imgH="228600" progId="Equation.DSMT4">
                   <p:embed/>
                 </p:oleObj>
               </mc:Choice>
@@ -18128,7 +19046,7 @@
           <a:graphicData uri="http://schemas.openxmlformats.org/presentationml/2006/ole">
             <mc:AlternateContent xmlns:mc="http://schemas.openxmlformats.org/markup-compatibility/2006">
               <mc:Choice xmlns:v="urn:schemas-microsoft-com:vml" Requires="v">
-                <p:oleObj spid="_x0000_s27726" name="Equation" r:id="rId5" imgW="3556000" imgH="1498600" progId="Equation.DSMT4">
+                <p:oleObj spid="_x0000_s27754" name="Equation" r:id="rId5" imgW="3556000" imgH="1498600" progId="Equation.DSMT4">
                   <p:embed/>
                 </p:oleObj>
               </mc:Choice>
@@ -18665,7 +19583,7 @@
           <a:graphicData uri="http://schemas.openxmlformats.org/presentationml/2006/ole">
             <mc:AlternateContent xmlns:mc="http://schemas.openxmlformats.org/markup-compatibility/2006">
               <mc:Choice xmlns:v="urn:schemas-microsoft-com:vml" Requires="v">
-                <p:oleObj spid="_x0000_s30742" name="Visio" r:id="rId4" imgW="5714932" imgH="2428920" progId="Visio.Drawing.15">
+                <p:oleObj spid="_x0000_s30756" name="Visio" r:id="rId4" imgW="5714932" imgH="2428920" progId="Visio.Drawing.15">
                   <p:embed/>
                 </p:oleObj>
               </mc:Choice>

--- a/NO1/NO1.pptx
+++ b/NO1/NO1.pptx
@@ -5253,8 +5253,8 @@
         </p:nvSpPr>
         <p:spPr bwMode="auto">
           <a:xfrm>
-            <a:off x="639303" y="1446668"/>
-            <a:ext cx="6950320" cy="3170099"/>
+            <a:off x="639303" y="1138892"/>
+            <a:ext cx="6950320" cy="3785652"/>
           </a:xfrm>
           <a:prstGeom prst="rect">
             <a:avLst/>
@@ -5538,16 +5538,41 @@
                 <a:ea typeface="华文细黑" panose="02010600040101010101" pitchFamily="2" charset="-122"/>
                 <a:cs typeface="Times New Roman" panose="02020603050405020304" pitchFamily="18" charset="0"/>
               </a:rPr>
-              <a:t>，耗散率取为</a:t>
-            </a:r>
-            <a:r>
-              <a:rPr lang="en-US" altLang="zh-CN" sz="2000" dirty="0" smtClean="0">
+              <a:t>，耗散</a:t>
+            </a:r>
+            <a:r>
+              <a:rPr lang="zh-CN" altLang="en-US" sz="2000" dirty="0" smtClean="0">
                 <a:latin typeface="Times New Roman" panose="02020603050405020304" pitchFamily="18" charset="0"/>
                 <a:ea typeface="华文细黑" panose="02010600040101010101" pitchFamily="2" charset="-122"/>
                 <a:cs typeface="Times New Roman" panose="02020603050405020304" pitchFamily="18" charset="0"/>
               </a:rPr>
-              <a:t>0</a:t>
-            </a:r>
+              <a:t>率</a:t>
+            </a:r>
+            <a:r>
+              <a:rPr lang="zh-CN" altLang="en-US" sz="2000" dirty="0" smtClean="0">
+                <a:latin typeface="Times New Roman" panose="02020603050405020304" pitchFamily="18" charset="0"/>
+                <a:ea typeface="华文细黑" panose="02010600040101010101" pitchFamily="2" charset="-122"/>
+                <a:cs typeface="Times New Roman" panose="02020603050405020304" pitchFamily="18" charset="0"/>
+              </a:rPr>
+              <a:t>：</a:t>
+            </a:r>
+            <a:endParaRPr lang="en-US" altLang="zh-CN" sz="2000" dirty="0" smtClean="0">
+              <a:latin typeface="Times New Roman" panose="02020603050405020304" pitchFamily="18" charset="0"/>
+              <a:ea typeface="华文细黑" panose="02010600040101010101" pitchFamily="2" charset="-122"/>
+              <a:cs typeface="Times New Roman" panose="02020603050405020304" pitchFamily="18" charset="0"/>
+            </a:endParaRPr>
+          </a:p>
+          <a:p>
+            <a:pPr marL="342900" lvl="0" indent="-342900" eaLnBrk="0" fontAlgn="base" hangingPunct="0">
+              <a:spcBef>
+                <a:spcPct val="0"/>
+              </a:spcBef>
+              <a:spcAft>
+                <a:spcPct val="0"/>
+              </a:spcAft>
+              <a:buFont typeface="Arial" panose="020B0604020202020204" pitchFamily="34" charset="0"/>
+              <a:buChar char="•"/>
+            </a:pPr>
             <a:endParaRPr lang="en-US" altLang="zh-CN" sz="2000" dirty="0">
               <a:latin typeface="Times New Roman" panose="02020603050405020304" pitchFamily="18" charset="0"/>
               <a:ea typeface="华文细黑" panose="02010600040101010101" pitchFamily="2" charset="-122"/>
@@ -5565,13 +5590,38 @@
               <a:buFont typeface="Arial" panose="020B0604020202020204" pitchFamily="34" charset="0"/>
               <a:buChar char="•"/>
             </a:pPr>
+            <a:endParaRPr lang="en-US" altLang="zh-CN" sz="2000" dirty="0" smtClean="0">
+              <a:latin typeface="Times New Roman" panose="02020603050405020304" pitchFamily="18" charset="0"/>
+              <a:ea typeface="华文细黑" panose="02010600040101010101" pitchFamily="2" charset="-122"/>
+              <a:cs typeface="Times New Roman" panose="02020603050405020304" pitchFamily="18" charset="0"/>
+            </a:endParaRPr>
+          </a:p>
+          <a:p>
+            <a:pPr marL="342900" lvl="0" indent="-342900" eaLnBrk="0" fontAlgn="base" hangingPunct="0">
+              <a:spcBef>
+                <a:spcPct val="0"/>
+              </a:spcBef>
+              <a:spcAft>
+                <a:spcPct val="0"/>
+              </a:spcAft>
+              <a:buFont typeface="Arial" panose="020B0604020202020204" pitchFamily="34" charset="0"/>
+              <a:buChar char="•"/>
+            </a:pPr>
             <a:r>
               <a:rPr lang="zh-CN" altLang="en-US" sz="2000" dirty="0" smtClean="0">
                 <a:latin typeface="Times New Roman" panose="02020603050405020304" pitchFamily="18" charset="0"/>
                 <a:ea typeface="华文细黑" panose="02010600040101010101" pitchFamily="2" charset="-122"/>
                 <a:cs typeface="Times New Roman" panose="02020603050405020304" pitchFamily="18" charset="0"/>
               </a:rPr>
-              <a:t>壁面处湍动能与耗散率为</a:t>
+              <a:t>壁</a:t>
+            </a:r>
+            <a:r>
+              <a:rPr lang="zh-CN" altLang="en-US" sz="2000" dirty="0" smtClean="0">
+                <a:latin typeface="Times New Roman" panose="02020603050405020304" pitchFamily="18" charset="0"/>
+                <a:ea typeface="华文细黑" panose="02010600040101010101" pitchFamily="2" charset="-122"/>
+                <a:cs typeface="Times New Roman" panose="02020603050405020304" pitchFamily="18" charset="0"/>
+              </a:rPr>
+              <a:t>面处湍动能与耗散率为</a:t>
             </a:r>
             <a:r>
               <a:rPr lang="en-US" altLang="zh-CN" sz="2000" dirty="0" smtClean="0">
@@ -5614,6 +5664,63 @@
           </a:p>
         </p:txBody>
       </p:sp>
+      <p:graphicFrame>
+        <p:nvGraphicFramePr>
+          <p:cNvPr id="3" name="对象 2"/>
+          <p:cNvGraphicFramePr>
+            <a:graphicFrameLocks noChangeAspect="1"/>
+          </p:cNvGraphicFramePr>
+          <p:nvPr>
+            <p:extLst>
+              <p:ext uri="{D42A27DB-BD31-4B8C-83A1-F6EECF244321}">
+                <p14:modId xmlns:p14="http://schemas.microsoft.com/office/powerpoint/2010/main" val="3821325143"/>
+              </p:ext>
+            </p:extLst>
+          </p:nvPr>
+        </p:nvGraphicFramePr>
+        <p:xfrm>
+          <a:off x="2439650" y="3570828"/>
+          <a:ext cx="3349625" cy="768350"/>
+        </p:xfrm>
+        <a:graphic>
+          <a:graphicData uri="http://schemas.openxmlformats.org/presentationml/2006/ole">
+            <mc:AlternateContent xmlns:mc="http://schemas.openxmlformats.org/markup-compatibility/2006">
+              <mc:Choice xmlns:v="urn:schemas-microsoft-com:vml" Requires="v">
+                <p:oleObj spid="_x0000_s31746" name="Equation" r:id="rId3" imgW="1549080" imgH="355320" progId="Equation.DSMT4">
+                  <p:embed/>
+                </p:oleObj>
+              </mc:Choice>
+              <mc:Fallback>
+                <p:oleObj name="Equation" r:id="rId3" imgW="1549080" imgH="355320" progId="Equation.DSMT4">
+                  <p:embed/>
+                  <p:pic>
+                    <p:nvPicPr>
+                      <p:cNvPr id="0" name=""/>
+                      <p:cNvPicPr/>
+                      <p:nvPr/>
+                    </p:nvPicPr>
+                    <p:blipFill>
+                      <a:blip r:embed="rId4"/>
+                      <a:stretch>
+                        <a:fillRect/>
+                      </a:stretch>
+                    </p:blipFill>
+                    <p:spPr>
+                      <a:xfrm>
+                        <a:off x="2439650" y="3570828"/>
+                        <a:ext cx="3349625" cy="768350"/>
+                      </a:xfrm>
+                      <a:prstGeom prst="rect">
+                        <a:avLst/>
+                      </a:prstGeom>
+                    </p:spPr>
+                  </p:pic>
+                </p:oleObj>
+              </mc:Fallback>
+            </mc:AlternateContent>
+          </a:graphicData>
+        </a:graphic>
+      </p:graphicFrame>
     </p:spTree>
     <p:extLst>
       <p:ext uri="{BB962C8B-B14F-4D97-AF65-F5344CB8AC3E}">
@@ -5854,7 +5961,7 @@
           <a:graphicData uri="http://schemas.openxmlformats.org/presentationml/2006/ole">
             <mc:AlternateContent xmlns:mc="http://schemas.openxmlformats.org/markup-compatibility/2006">
               <mc:Choice xmlns:v="urn:schemas-microsoft-com:vml" Requires="v">
-                <p:oleObj spid="_x0000_s24662" name="Visio" r:id="rId4" imgW="4067122" imgH="4410180" progId="Visio.Drawing.15">
+                <p:oleObj spid="_x0000_s24665" name="Visio" r:id="rId4" imgW="4067122" imgH="4410180" progId="Visio.Drawing.15">
                   <p:embed/>
                 </p:oleObj>
               </mc:Choice>
@@ -6348,15 +6455,7 @@
                 <a:ea typeface="华文细黑" panose="02010600040101010101" pitchFamily="2" charset="-122"/>
                 <a:cs typeface="Times New Roman" panose="02020603050405020304" pitchFamily="18" charset="0"/>
               </a:rPr>
-              <a:t>方向入口速度</a:t>
-            </a:r>
-            <a:r>
-              <a:rPr lang="zh-CN" altLang="en-US" sz="2000" dirty="0" smtClean="0">
-                <a:latin typeface="Times New Roman" panose="02020603050405020304" pitchFamily="18" charset="0"/>
-                <a:ea typeface="华文细黑" panose="02010600040101010101" pitchFamily="2" charset="-122"/>
-                <a:cs typeface="Times New Roman" panose="02020603050405020304" pitchFamily="18" charset="0"/>
-              </a:rPr>
-              <a:t>为</a:t>
+              <a:t>方向入口速度为</a:t>
             </a:r>
             <a:r>
               <a:rPr lang="en-US" altLang="zh-CN" sz="2000" dirty="0" smtClean="0">
@@ -6372,15 +6471,7 @@
                 <a:ea typeface="华文细黑" panose="02010600040101010101" pitchFamily="2" charset="-122"/>
                 <a:cs typeface="Times New Roman" panose="02020603050405020304" pitchFamily="18" charset="0"/>
               </a:rPr>
-              <a:t>）</a:t>
-            </a:r>
-            <a:r>
-              <a:rPr lang="zh-CN" altLang="en-US" sz="2000" dirty="0" smtClean="0">
-                <a:latin typeface="Times New Roman" panose="02020603050405020304" pitchFamily="18" charset="0"/>
-                <a:ea typeface="华文细黑" panose="02010600040101010101" pitchFamily="2" charset="-122"/>
-                <a:cs typeface="Times New Roman" panose="02020603050405020304" pitchFamily="18" charset="0"/>
-              </a:rPr>
-              <a:t>：</a:t>
+              <a:t>）：</a:t>
             </a:r>
             <a:endParaRPr kumimoji="0" lang="zh-CN" altLang="en-US" sz="1800" b="0" i="0" u="none" strike="noStrike" cap="none" normalizeH="0" baseline="0" dirty="0" smtClean="0">
               <a:ln>
@@ -6640,7 +6731,7 @@
           <a:graphicData uri="http://schemas.openxmlformats.org/presentationml/2006/ole">
             <mc:AlternateContent xmlns:mc="http://schemas.openxmlformats.org/markup-compatibility/2006">
               <mc:Choice xmlns:v="urn:schemas-microsoft-com:vml" Requires="v">
-                <p:oleObj spid="_x0000_s29740" name="Equation" r:id="rId3" imgW="901309" imgH="469696" progId="Equation.DSMT4">
+                <p:oleObj spid="_x0000_s29743" name="Equation" r:id="rId3" imgW="901309" imgH="469696" progId="Equation.DSMT4">
                   <p:embed/>
                 </p:oleObj>
               </mc:Choice>
@@ -7163,23 +7254,7 @@
                 <a:ea typeface="华文细黑" panose="02010600040101010101" pitchFamily="2" charset="-122"/>
                 <a:cs typeface="Times New Roman" panose="02020603050405020304" pitchFamily="18" charset="0"/>
               </a:rPr>
-              <a:t>结果看出，在相同条件下，流动变为湍流后边界层</a:t>
-            </a:r>
-            <a:r>
-              <a:rPr lang="zh-CN" altLang="en-US" sz="2000" dirty="0" smtClean="0">
-                <a:latin typeface="Times New Roman" panose="02020603050405020304" pitchFamily="18" charset="0"/>
-                <a:ea typeface="华文细黑" panose="02010600040101010101" pitchFamily="2" charset="-122"/>
-                <a:cs typeface="Times New Roman" panose="02020603050405020304" pitchFamily="18" charset="0"/>
-              </a:rPr>
-              <a:t>变</a:t>
-            </a:r>
-            <a:r>
-              <a:rPr lang="zh-CN" altLang="en-US" sz="2000" dirty="0" smtClean="0">
-                <a:latin typeface="Times New Roman" panose="02020603050405020304" pitchFamily="18" charset="0"/>
-                <a:ea typeface="华文细黑" panose="02010600040101010101" pitchFamily="2" charset="-122"/>
-                <a:cs typeface="Times New Roman" panose="02020603050405020304" pitchFamily="18" charset="0"/>
-              </a:rPr>
-              <a:t>厚，与理论一致</a:t>
+              <a:t>结果看出，在相同条件下，流动变为湍流后边界层变厚，与理论一致</a:t>
             </a:r>
             <a:endParaRPr kumimoji="0" lang="zh-CN" altLang="en-US" sz="1800" b="0" i="0" u="none" strike="noStrike" cap="none" normalizeH="0" baseline="0" dirty="0" smtClean="0">
               <a:ln>
@@ -7307,14 +7382,7 @@
                 <a:latin typeface="华文细黑" panose="02010600040101010101" pitchFamily="2" charset="-122"/>
                 <a:ea typeface="华文细黑" panose="02010600040101010101" pitchFamily="2" charset="-122"/>
               </a:rPr>
-              <a:t>不同格式计算</a:t>
-            </a:r>
-            <a:r>
-              <a:rPr lang="zh-CN" altLang="en-US" dirty="0" smtClean="0">
-                <a:latin typeface="华文细黑" panose="02010600040101010101" pitchFamily="2" charset="-122"/>
-                <a:ea typeface="华文细黑" panose="02010600040101010101" pitchFamily="2" charset="-122"/>
-              </a:rPr>
-              <a:t>结果</a:t>
+              <a:t>不同格式计算结果</a:t>
             </a:r>
             <a:endParaRPr lang="zh-CN" altLang="en-US" dirty="0">
               <a:latin typeface="华文细黑" panose="02010600040101010101" pitchFamily="2" charset="-122"/>
@@ -7396,15 +7464,7 @@
                 <a:ea typeface="华文细黑" panose="02010600040101010101" pitchFamily="2" charset="-122"/>
                 <a:cs typeface="Times New Roman" panose="02020603050405020304" pitchFamily="18" charset="0"/>
               </a:rPr>
-              <a:t>迎风格式</a:t>
-            </a:r>
-            <a:r>
-              <a:rPr lang="zh-CN" altLang="en-US" sz="2000" dirty="0" smtClean="0">
-                <a:latin typeface="Times New Roman" panose="02020603050405020304" pitchFamily="18" charset="0"/>
-                <a:ea typeface="华文细黑" panose="02010600040101010101" pitchFamily="2" charset="-122"/>
-                <a:cs typeface="Times New Roman" panose="02020603050405020304" pitchFamily="18" charset="0"/>
-              </a:rPr>
-              <a:t>：</a:t>
+              <a:t>迎风格式：</a:t>
             </a:r>
             <a:endParaRPr kumimoji="0" lang="zh-CN" altLang="en-US" sz="1800" b="0" i="0" u="none" strike="noStrike" cap="none" normalizeH="0" baseline="0" dirty="0" smtClean="0">
               <a:ln>
@@ -7492,15 +7552,7 @@
                 <a:ea typeface="华文细黑" panose="02010600040101010101" pitchFamily="2" charset="-122"/>
                 <a:cs typeface="Times New Roman" panose="02020603050405020304" pitchFamily="18" charset="0"/>
               </a:rPr>
-              <a:t>混合格式</a:t>
-            </a:r>
-            <a:r>
-              <a:rPr lang="zh-CN" altLang="en-US" sz="2000" dirty="0" smtClean="0">
-                <a:latin typeface="Times New Roman" panose="02020603050405020304" pitchFamily="18" charset="0"/>
-                <a:ea typeface="华文细黑" panose="02010600040101010101" pitchFamily="2" charset="-122"/>
-                <a:cs typeface="Times New Roman" panose="02020603050405020304" pitchFamily="18" charset="0"/>
-              </a:rPr>
-              <a:t>：</a:t>
+              <a:t>混合格式：</a:t>
             </a:r>
             <a:endParaRPr kumimoji="0" lang="zh-CN" altLang="en-US" sz="1800" b="0" i="0" u="none" strike="noStrike" cap="none" normalizeH="0" baseline="0" dirty="0" smtClean="0">
               <a:ln>
@@ -7588,15 +7640,7 @@
                 <a:ea typeface="华文细黑" panose="02010600040101010101" pitchFamily="2" charset="-122"/>
                 <a:cs typeface="Times New Roman" panose="02020603050405020304" pitchFamily="18" charset="0"/>
               </a:rPr>
-              <a:t>乘方格式</a:t>
-            </a:r>
-            <a:r>
-              <a:rPr lang="zh-CN" altLang="en-US" sz="2000" dirty="0" smtClean="0">
-                <a:latin typeface="Times New Roman" panose="02020603050405020304" pitchFamily="18" charset="0"/>
-                <a:ea typeface="华文细黑" panose="02010600040101010101" pitchFamily="2" charset="-122"/>
-                <a:cs typeface="Times New Roman" panose="02020603050405020304" pitchFamily="18" charset="0"/>
-              </a:rPr>
-              <a:t>：</a:t>
+              <a:t>乘方格式：</a:t>
             </a:r>
             <a:endParaRPr kumimoji="0" lang="zh-CN" altLang="en-US" sz="1800" b="0" i="0" u="none" strike="noStrike" cap="none" normalizeH="0" baseline="0" dirty="0" smtClean="0">
               <a:ln>
@@ -7695,14 +7739,7 @@
                 <a:latin typeface="华文细黑" panose="02010600040101010101" pitchFamily="2" charset="-122"/>
                 <a:ea typeface="华文细黑" panose="02010600040101010101" pitchFamily="2" charset="-122"/>
               </a:rPr>
-              <a:t>不同格式计算</a:t>
-            </a:r>
-            <a:r>
-              <a:rPr lang="zh-CN" altLang="en-US" dirty="0" smtClean="0">
-                <a:latin typeface="华文细黑" panose="02010600040101010101" pitchFamily="2" charset="-122"/>
-                <a:ea typeface="华文细黑" panose="02010600040101010101" pitchFamily="2" charset="-122"/>
-              </a:rPr>
-              <a:t>结果</a:t>
+              <a:t>不同格式计算结果</a:t>
             </a:r>
             <a:endParaRPr lang="zh-CN" altLang="en-US" dirty="0">
               <a:latin typeface="华文细黑" panose="02010600040101010101" pitchFamily="2" charset="-122"/>
@@ -7842,15 +7879,7 @@
                 <a:ea typeface="华文细黑" panose="02010600040101010101" pitchFamily="2" charset="-122"/>
                 <a:cs typeface="Times New Roman" panose="02020603050405020304" pitchFamily="18" charset="0"/>
               </a:rPr>
-              <a:t>迎风格式</a:t>
-            </a:r>
-            <a:r>
-              <a:rPr lang="zh-CN" altLang="en-US" sz="2000" dirty="0" smtClean="0">
-                <a:latin typeface="Times New Roman" panose="02020603050405020304" pitchFamily="18" charset="0"/>
-                <a:ea typeface="华文细黑" panose="02010600040101010101" pitchFamily="2" charset="-122"/>
-                <a:cs typeface="Times New Roman" panose="02020603050405020304" pitchFamily="18" charset="0"/>
-              </a:rPr>
-              <a:t>：</a:t>
+              <a:t>迎风格式：</a:t>
             </a:r>
             <a:endParaRPr kumimoji="0" lang="zh-CN" altLang="en-US" sz="1800" b="0" i="0" u="none" strike="noStrike" cap="none" normalizeH="0" baseline="0" dirty="0" smtClean="0">
               <a:ln>
@@ -7938,15 +7967,7 @@
                 <a:ea typeface="华文细黑" panose="02010600040101010101" pitchFamily="2" charset="-122"/>
                 <a:cs typeface="Times New Roman" panose="02020603050405020304" pitchFamily="18" charset="0"/>
               </a:rPr>
-              <a:t>混合格式</a:t>
-            </a:r>
-            <a:r>
-              <a:rPr lang="zh-CN" altLang="en-US" sz="2000" dirty="0" smtClean="0">
-                <a:latin typeface="Times New Roman" panose="02020603050405020304" pitchFamily="18" charset="0"/>
-                <a:ea typeface="华文细黑" panose="02010600040101010101" pitchFamily="2" charset="-122"/>
-                <a:cs typeface="Times New Roman" panose="02020603050405020304" pitchFamily="18" charset="0"/>
-              </a:rPr>
-              <a:t>：</a:t>
+              <a:t>混合格式：</a:t>
             </a:r>
             <a:endParaRPr kumimoji="0" lang="zh-CN" altLang="en-US" sz="1800" b="0" i="0" u="none" strike="noStrike" cap="none" normalizeH="0" baseline="0" dirty="0" smtClean="0">
               <a:ln>
@@ -8034,15 +8055,7 @@
                 <a:ea typeface="华文细黑" panose="02010600040101010101" pitchFamily="2" charset="-122"/>
                 <a:cs typeface="Times New Roman" panose="02020603050405020304" pitchFamily="18" charset="0"/>
               </a:rPr>
-              <a:t>乘方格式</a:t>
-            </a:r>
-            <a:r>
-              <a:rPr lang="zh-CN" altLang="en-US" sz="2000" dirty="0" smtClean="0">
-                <a:latin typeface="Times New Roman" panose="02020603050405020304" pitchFamily="18" charset="0"/>
-                <a:ea typeface="华文细黑" panose="02010600040101010101" pitchFamily="2" charset="-122"/>
-                <a:cs typeface="Times New Roman" panose="02020603050405020304" pitchFamily="18" charset="0"/>
-              </a:rPr>
-              <a:t>：</a:t>
+              <a:t>乘方格式：</a:t>
             </a:r>
             <a:endParaRPr kumimoji="0" lang="zh-CN" altLang="en-US" sz="1800" b="0" i="0" u="none" strike="noStrike" cap="none" normalizeH="0" baseline="0" dirty="0" smtClean="0">
               <a:ln>
@@ -8364,7 +8377,7 @@
           <a:graphicData uri="http://schemas.openxmlformats.org/presentationml/2006/ole">
             <mc:AlternateContent xmlns:mc="http://schemas.openxmlformats.org/markup-compatibility/2006">
               <mc:Choice xmlns:v="urn:schemas-microsoft-com:vml" Requires="v">
-                <p:oleObj spid="_x0000_s1356" name="Equation" r:id="rId3" imgW="1498600" imgH="914400" progId="Equation.DSMT4">
+                <p:oleObj spid="_x0000_s1362" name="Equation" r:id="rId3" imgW="1498600" imgH="914400" progId="Equation.DSMT4">
                   <p:embed/>
                 </p:oleObj>
               </mc:Choice>
@@ -8494,7 +8507,7 @@
           <a:graphicData uri="http://schemas.openxmlformats.org/presentationml/2006/ole">
             <mc:AlternateContent xmlns:mc="http://schemas.openxmlformats.org/markup-compatibility/2006">
               <mc:Choice xmlns:v="urn:schemas-microsoft-com:vml" Requires="v">
-                <p:oleObj spid="_x0000_s1357" name="Equation" r:id="rId5" imgW="2743200" imgH="990600" progId="Equation.DSMT4">
+                <p:oleObj spid="_x0000_s1363" name="Equation" r:id="rId5" imgW="2743200" imgH="990600" progId="Equation.DSMT4">
                   <p:embed/>
                 </p:oleObj>
               </mc:Choice>
@@ -8872,7 +8885,7 @@
           <a:graphicData uri="http://schemas.openxmlformats.org/presentationml/2006/ole">
             <mc:AlternateContent xmlns:mc="http://schemas.openxmlformats.org/markup-compatibility/2006">
               <mc:Choice xmlns:v="urn:schemas-microsoft-com:vml" Requires="v">
-                <p:oleObj spid="_x0000_s20880" name="Equation" r:id="rId3" imgW="2590800" imgH="393700" progId="Equation.DSMT4">
+                <p:oleObj spid="_x0000_s20892" name="Equation" r:id="rId3" imgW="2590800" imgH="393700" progId="Equation.DSMT4">
                   <p:embed/>
                 </p:oleObj>
               </mc:Choice>
@@ -8939,7 +8952,7 @@
           <a:graphicData uri="http://schemas.openxmlformats.org/presentationml/2006/ole">
             <mc:AlternateContent xmlns:mc="http://schemas.openxmlformats.org/markup-compatibility/2006">
               <mc:Choice xmlns:v="urn:schemas-microsoft-com:vml" Requires="v">
-                <p:oleObj spid="_x0000_s20881" name="Equation" r:id="rId5" imgW="2387600" imgH="482600" progId="Equation.DSMT4">
+                <p:oleObj spid="_x0000_s20893" name="Equation" r:id="rId5" imgW="2387600" imgH="482600" progId="Equation.DSMT4">
                   <p:embed/>
                 </p:oleObj>
               </mc:Choice>
@@ -9110,7 +9123,7 @@
           <a:graphicData uri="http://schemas.openxmlformats.org/presentationml/2006/ole">
             <mc:AlternateContent xmlns:mc="http://schemas.openxmlformats.org/markup-compatibility/2006">
               <mc:Choice xmlns:v="urn:schemas-microsoft-com:vml" Requires="v">
-                <p:oleObj spid="_x0000_s20882" name="Equation" r:id="rId7" imgW="2882900" imgH="482600" progId="Equation.DSMT4">
+                <p:oleObj spid="_x0000_s20894" name="Equation" r:id="rId7" imgW="2882900" imgH="482600" progId="Equation.DSMT4">
                   <p:embed/>
                 </p:oleObj>
               </mc:Choice>
@@ -9177,7 +9190,7 @@
           <a:graphicData uri="http://schemas.openxmlformats.org/presentationml/2006/ole">
             <mc:AlternateContent xmlns:mc="http://schemas.openxmlformats.org/markup-compatibility/2006">
               <mc:Choice xmlns:v="urn:schemas-microsoft-com:vml" Requires="v">
-                <p:oleObj spid="_x0000_s20883" name="Equation" r:id="rId9" imgW="3517900" imgH="482600" progId="Equation.DSMT4">
+                <p:oleObj spid="_x0000_s20895" name="Equation" r:id="rId9" imgW="3517900" imgH="482600" progId="Equation.DSMT4">
                   <p:embed/>
                 </p:oleObj>
               </mc:Choice>
@@ -9386,7 +9399,7 @@
           <a:graphicData uri="http://schemas.openxmlformats.org/presentationml/2006/ole">
             <mc:AlternateContent xmlns:mc="http://schemas.openxmlformats.org/markup-compatibility/2006">
               <mc:Choice xmlns:v="urn:schemas-microsoft-com:vml" Requires="v">
-                <p:oleObj spid="_x0000_s21891" name="Equation" r:id="rId3" imgW="4660900" imgH="457200" progId="Equation.DSMT4">
+                <p:oleObj spid="_x0000_s21903" name="Equation" r:id="rId3" imgW="4660900" imgH="457200" progId="Equation.DSMT4">
                   <p:embed/>
                 </p:oleObj>
               </mc:Choice>
@@ -9453,7 +9466,7 @@
           <a:graphicData uri="http://schemas.openxmlformats.org/presentationml/2006/ole">
             <mc:AlternateContent xmlns:mc="http://schemas.openxmlformats.org/markup-compatibility/2006">
               <mc:Choice xmlns:v="urn:schemas-microsoft-com:vml" Requires="v">
-                <p:oleObj spid="_x0000_s21892" name="Equation" r:id="rId5" imgW="952087" imgH="203112" progId="Equation.DSMT4">
+                <p:oleObj spid="_x0000_s21904" name="Equation" r:id="rId5" imgW="952087" imgH="203112" progId="Equation.DSMT4">
                   <p:embed/>
                 </p:oleObj>
               </mc:Choice>
@@ -9520,7 +9533,7 @@
           <a:graphicData uri="http://schemas.openxmlformats.org/presentationml/2006/ole">
             <mc:AlternateContent xmlns:mc="http://schemas.openxmlformats.org/markup-compatibility/2006">
               <mc:Choice xmlns:v="urn:schemas-microsoft-com:vml" Requires="v">
-                <p:oleObj spid="_x0000_s21893" name="Equation" r:id="rId7" imgW="1130040" imgH="203040" progId="Equation.DSMT4">
+                <p:oleObj spid="_x0000_s21905" name="Equation" r:id="rId7" imgW="1130040" imgH="203040" progId="Equation.DSMT4">
                   <p:embed/>
                 </p:oleObj>
               </mc:Choice>
@@ -9727,7 +9740,7 @@
           <a:graphicData uri="http://schemas.openxmlformats.org/presentationml/2006/ole">
             <mc:AlternateContent xmlns:mc="http://schemas.openxmlformats.org/markup-compatibility/2006">
               <mc:Choice xmlns:v="urn:schemas-microsoft-com:vml" Requires="v">
-                <p:oleObj spid="_x0000_s21894" name="Equation" r:id="rId9" imgW="2463480" imgH="1143000" progId="Equation.DSMT4">
+                <p:oleObj spid="_x0000_s21906" name="Equation" r:id="rId9" imgW="2463480" imgH="1143000" progId="Equation.DSMT4">
                   <p:embed/>
                 </p:oleObj>
               </mc:Choice>
@@ -11353,7 +11366,7 @@
           <a:graphicData uri="http://schemas.openxmlformats.org/presentationml/2006/ole">
             <mc:AlternateContent xmlns:mc="http://schemas.openxmlformats.org/markup-compatibility/2006">
               <mc:Choice xmlns:v="urn:schemas-microsoft-com:vml" Requires="v">
-                <p:oleObj spid="_x0000_s23338" name="Equation" r:id="rId3" imgW="1981080" imgH="533160" progId="Equation.DSMT4">
+                <p:oleObj spid="_x0000_s23344" name="Equation" r:id="rId3" imgW="1981080" imgH="533160" progId="Equation.DSMT4">
                   <p:embed/>
                 </p:oleObj>
               </mc:Choice>
@@ -11414,7 +11427,7 @@
           <a:graphicData uri="http://schemas.openxmlformats.org/presentationml/2006/ole">
             <mc:AlternateContent xmlns:mc="http://schemas.openxmlformats.org/markup-compatibility/2006">
               <mc:Choice xmlns:v="urn:schemas-microsoft-com:vml" Requires="v">
-                <p:oleObj spid="_x0000_s23339" name="Equation" r:id="rId5" imgW="3543300" imgH="279400" progId="Equation.DSMT4">
+                <p:oleObj spid="_x0000_s23345" name="Equation" r:id="rId5" imgW="3543300" imgH="279400" progId="Equation.DSMT4">
                   <p:embed/>
                 </p:oleObj>
               </mc:Choice>
@@ -13097,7 +13110,7 @@
           <a:graphicData uri="http://schemas.openxmlformats.org/presentationml/2006/ole">
             <mc:AlternateContent xmlns:mc="http://schemas.openxmlformats.org/markup-compatibility/2006">
               <mc:Choice xmlns:v="urn:schemas-microsoft-com:vml" Requires="v">
-                <p:oleObj spid="_x0000_s25882" name="Equation" r:id="rId3" imgW="3060360" imgH="253800" progId="Equation.DSMT4">
+                <p:oleObj spid="_x0000_s25897" name="Equation" r:id="rId3" imgW="3060360" imgH="253800" progId="Equation.DSMT4">
                   <p:embed/>
                 </p:oleObj>
               </mc:Choice>
@@ -13158,7 +13171,7 @@
           <a:graphicData uri="http://schemas.openxmlformats.org/presentationml/2006/ole">
             <mc:AlternateContent xmlns:mc="http://schemas.openxmlformats.org/markup-compatibility/2006">
               <mc:Choice xmlns:v="urn:schemas-microsoft-com:vml" Requires="v">
-                <p:oleObj spid="_x0000_s25883" name="Equation" r:id="rId5" imgW="672840" imgH="457200" progId="Equation.DSMT4">
+                <p:oleObj spid="_x0000_s25898" name="Equation" r:id="rId5" imgW="672840" imgH="457200" progId="Equation.DSMT4">
                   <p:embed/>
                 </p:oleObj>
               </mc:Choice>
@@ -13298,7 +13311,7 @@
             </p:nvGraphicFramePr>
             <p:xfrm>
               <a:off x="545206" y="3466533"/>
-              <a:ext cx="8273424" cy="2866028"/>
+              <a:ext cx="8273424" cy="2903463"/>
             </p:xfrm>
             <a:graphic>
               <a:graphicData uri="http://schemas.openxmlformats.org/drawingml/2006/table">
@@ -15394,7 +15407,7 @@
           <a:graphicData uri="http://schemas.openxmlformats.org/presentationml/2006/ole">
             <mc:AlternateContent xmlns:mc="http://schemas.openxmlformats.org/markup-compatibility/2006">
               <mc:Choice xmlns:v="urn:schemas-microsoft-com:vml" Requires="v">
-                <p:oleObj spid="_x0000_s25884" name="Equation" r:id="rId8" imgW="444307" imgH="393529" progId="Equation.DSMT4">
+                <p:oleObj spid="_x0000_s25899" name="Equation" r:id="rId8" imgW="444307" imgH="393529" progId="Equation.DSMT4">
                   <p:embed/>
                 </p:oleObj>
               </mc:Choice>
@@ -15461,7 +15474,7 @@
           <a:graphicData uri="http://schemas.openxmlformats.org/presentationml/2006/ole">
             <mc:AlternateContent xmlns:mc="http://schemas.openxmlformats.org/markup-compatibility/2006">
               <mc:Choice xmlns:v="urn:schemas-microsoft-com:vml" Requires="v">
-                <p:oleObj spid="_x0000_s25885" name="Equation" r:id="rId10" imgW="1117115" imgH="253890" progId="Equation.DSMT4">
+                <p:oleObj spid="_x0000_s25900" name="Equation" r:id="rId10" imgW="1117115" imgH="253890" progId="Equation.DSMT4">
                   <p:embed/>
                 </p:oleObj>
               </mc:Choice>
@@ -15528,7 +15541,7 @@
           <a:graphicData uri="http://schemas.openxmlformats.org/presentationml/2006/ole">
             <mc:AlternateContent xmlns:mc="http://schemas.openxmlformats.org/markup-compatibility/2006">
               <mc:Choice xmlns:v="urn:schemas-microsoft-com:vml" Requires="v">
-                <p:oleObj spid="_x0000_s25886" name="Equation" r:id="rId12" imgW="1028254" imgH="253890" progId="Equation.DSMT4">
+                <p:oleObj spid="_x0000_s25901" name="Equation" r:id="rId12" imgW="1028254" imgH="253890" progId="Equation.DSMT4">
                   <p:embed/>
                 </p:oleObj>
               </mc:Choice>
@@ -17236,7 +17249,7 @@
           <a:graphicData uri="http://schemas.openxmlformats.org/presentationml/2006/ole">
             <mc:AlternateContent xmlns:mc="http://schemas.openxmlformats.org/markup-compatibility/2006">
               <mc:Choice xmlns:v="urn:schemas-microsoft-com:vml" Requires="v">
-                <p:oleObj spid="_x0000_s26732" name="Equation" r:id="rId3" imgW="2869920" imgH="1396800" progId="Equation.DSMT4">
+                <p:oleObj spid="_x0000_s26738" name="Equation" r:id="rId3" imgW="2869920" imgH="1396800" progId="Equation.DSMT4">
                   <p:embed/>
                 </p:oleObj>
               </mc:Choice>
@@ -17297,7 +17310,7 @@
           <a:graphicData uri="http://schemas.openxmlformats.org/presentationml/2006/ole">
             <mc:AlternateContent xmlns:mc="http://schemas.openxmlformats.org/markup-compatibility/2006">
               <mc:Choice xmlns:v="urn:schemas-microsoft-com:vml" Requires="v">
-                <p:oleObj spid="_x0000_s26733" name="Equation" r:id="rId5" imgW="355320" imgH="228600" progId="Equation.DSMT4">
+                <p:oleObj spid="_x0000_s26739" name="Equation" r:id="rId5" imgW="355320" imgH="228600" progId="Equation.DSMT4">
                   <p:embed/>
                 </p:oleObj>
               </mc:Choice>
@@ -18979,7 +18992,7 @@
           <a:graphicData uri="http://schemas.openxmlformats.org/presentationml/2006/ole">
             <mc:AlternateContent xmlns:mc="http://schemas.openxmlformats.org/markup-compatibility/2006">
               <mc:Choice xmlns:v="urn:schemas-microsoft-com:vml" Requires="v">
-                <p:oleObj spid="_x0000_s27753" name="Equation" r:id="rId3" imgW="2717800" imgH="228600" progId="Equation.DSMT4">
+                <p:oleObj spid="_x0000_s27759" name="Equation" r:id="rId3" imgW="2717800" imgH="228600" progId="Equation.DSMT4">
                   <p:embed/>
                 </p:oleObj>
               </mc:Choice>
@@ -19046,7 +19059,7 @@
           <a:graphicData uri="http://schemas.openxmlformats.org/presentationml/2006/ole">
             <mc:AlternateContent xmlns:mc="http://schemas.openxmlformats.org/markup-compatibility/2006">
               <mc:Choice xmlns:v="urn:schemas-microsoft-com:vml" Requires="v">
-                <p:oleObj spid="_x0000_s27754" name="Equation" r:id="rId5" imgW="3556000" imgH="1498600" progId="Equation.DSMT4">
+                <p:oleObj spid="_x0000_s27760" name="Equation" r:id="rId5" imgW="3556000" imgH="1498600" progId="Equation.DSMT4">
                   <p:embed/>
                 </p:oleObj>
               </mc:Choice>
@@ -19583,7 +19596,7 @@
           <a:graphicData uri="http://schemas.openxmlformats.org/presentationml/2006/ole">
             <mc:AlternateContent xmlns:mc="http://schemas.openxmlformats.org/markup-compatibility/2006">
               <mc:Choice xmlns:v="urn:schemas-microsoft-com:vml" Requires="v">
-                <p:oleObj spid="_x0000_s30756" name="Visio" r:id="rId4" imgW="5714932" imgH="2428920" progId="Visio.Drawing.15">
+                <p:oleObj spid="_x0000_s30759" name="Visio" r:id="rId4" imgW="5714932" imgH="2428920" progId="Visio.Drawing.15">
                   <p:embed/>
                 </p:oleObj>
               </mc:Choice>
